--- a/Slides/Lesson 1.6 Contracts, Purpose Statements, and Examples.pptx
+++ b/Slides/Lesson 1.6 Contracts, Purpose Statements, and Examples.pptx
@@ -38,34 +38,34 @@
   <p:notesSz cx="6858000" cy="9296400"/>
   <p:embeddedFontLst>
     <p:embeddedFont>
-      <p:font typeface="Arial Unicode MS" panose="020B0604020202020204" pitchFamily="34" charset="-128"/>
+      <p:font typeface="CMSY10ORIG" panose="020B0604020202020204"/>
       <p:regular r:id="rId26"/>
     </p:embeddedFont>
     <p:embeddedFont>
+      <p:font typeface="Arial Unicode MS" panose="020B0604020202020204" pitchFamily="34" charset="-128"/>
+      <p:regular r:id="rId27"/>
+    </p:embeddedFont>
+    <p:embeddedFont>
+      <p:font typeface="CMR10" panose="020B0604020202020204"/>
+      <p:regular r:id="rId28"/>
+    </p:embeddedFont>
+    <p:embeddedFont>
       <p:font typeface="Calibri" panose="020F0502020204030204" pitchFamily="34" charset="0"/>
-      <p:regular r:id="rId27"/>
-      <p:bold r:id="rId28"/>
-      <p:italic r:id="rId29"/>
-      <p:boldItalic r:id="rId30"/>
+      <p:regular r:id="rId29"/>
+      <p:bold r:id="rId30"/>
+      <p:italic r:id="rId31"/>
+      <p:boldItalic r:id="rId32"/>
+    </p:embeddedFont>
+    <p:embeddedFont>
+      <p:font typeface="CMMI10" panose="020B0604020202020204"/>
+      <p:regular r:id="rId33"/>
     </p:embeddedFont>
     <p:embeddedFont>
       <p:font typeface="Consolas" panose="020B0609020204030204" pitchFamily="49" charset="0"/>
-      <p:regular r:id="rId31"/>
-      <p:bold r:id="rId32"/>
-      <p:italic r:id="rId33"/>
-      <p:boldItalic r:id="rId34"/>
-    </p:embeddedFont>
-    <p:embeddedFont>
-      <p:font typeface="CMSY10ORIG" panose="020B0604020202020204"/>
-      <p:regular r:id="rId35"/>
-    </p:embeddedFont>
-    <p:embeddedFont>
-      <p:font typeface="CMMI10" panose="020B0604020202020204"/>
-      <p:regular r:id="rId36"/>
-    </p:embeddedFont>
-    <p:embeddedFont>
-      <p:font typeface="CMR10" panose="020B0604020202020204"/>
-      <p:regular r:id="rId37"/>
+      <p:regular r:id="rId34"/>
+      <p:bold r:id="rId35"/>
+      <p:italic r:id="rId36"/>
+      <p:boldItalic r:id="rId37"/>
     </p:embeddedFont>
   </p:embeddedFontLst>
   <p:custDataLst>
@@ -274,7 +274,7 @@
             <a:fld id="{F428509D-A83E-4130-9123-C9B4F5E9EE37}" type="datetimeFigureOut">
               <a:rPr lang="en-US" smtClean="0"/>
               <a:pPr/>
-              <a:t>10/16/2014</a:t>
+              <a:t>8/3/2015</a:t>
             </a:fld>
             <a:endParaRPr lang="en-US"/>
           </a:p>
@@ -441,7 +441,7 @@
             <a:fld id="{ACC16E80-119B-43B5-8043-B652C91D44CD}" type="datetimeFigureOut">
               <a:rPr lang="en-US" smtClean="0"/>
               <a:pPr/>
-              <a:t>10/16/2014</a:t>
+              <a:t>8/3/2015</a:t>
             </a:fld>
             <a:endParaRPr lang="en-US"/>
           </a:p>
@@ -2186,7 +2186,7 @@
             <a:fld id="{995A3EAA-2ADF-4730-8F37-D322F0FCA6F7}" type="datetime1">
               <a:rPr lang="en-US" smtClean="0"/>
               <a:pPr/>
-              <a:t>10/16/2014</a:t>
+              <a:t>8/3/2015</a:t>
             </a:fld>
             <a:endParaRPr lang="en-US"/>
           </a:p>
@@ -2443,7 +2443,7 @@
             <a:fld id="{9A46249C-EA92-4608-8FCA-65260396BA27}" type="datetime1">
               <a:rPr lang="en-US" smtClean="0"/>
               <a:pPr/>
-              <a:t>10/16/2014</a:t>
+              <a:t>8/3/2015</a:t>
             </a:fld>
             <a:endParaRPr lang="en-US"/>
           </a:p>
@@ -2610,7 +2610,7 @@
             <a:fld id="{E98573EB-F81F-45A8-8502-B7F241F6310C}" type="datetime1">
               <a:rPr lang="en-US" smtClean="0"/>
               <a:pPr/>
-              <a:t>10/16/2014</a:t>
+              <a:t>8/3/2015</a:t>
             </a:fld>
             <a:endParaRPr lang="en-US"/>
           </a:p>
@@ -2787,7 +2787,7 @@
             <a:fld id="{D3B68F27-4D23-4B43-9126-090EEA2632D9}" type="datetime1">
               <a:rPr lang="en-US" smtClean="0"/>
               <a:pPr/>
-              <a:t>10/16/2014</a:t>
+              <a:t>8/3/2015</a:t>
             </a:fld>
             <a:endParaRPr lang="en-US"/>
           </a:p>
@@ -2872,6 +2872,18 @@
           </p:nvPr>
         </p:nvSpPr>
         <p:spPr/>
+        <p:style>
+          <a:lnRef idx="2">
+            <a:schemeClr val="accent1"/>
+          </a:lnRef>
+          <a:fillRef idx="1">
+            <a:schemeClr val="lt1"/>
+          </a:fillRef>
+          <a:effectRef idx="0">
+            <a:schemeClr val="accent1"/>
+          </a:effectRef>
+          <a:fontRef idx="none"/>
+        </p:style>
         <p:txBody>
           <a:bodyPr/>
           <a:lstStyle/>
@@ -2954,7 +2966,7 @@
             <a:fld id="{AF79D0BF-EDA9-4C0D-B5C1-D01FE3C9392D}" type="datetime1">
               <a:rPr lang="en-US" smtClean="0"/>
               <a:pPr/>
-              <a:t>10/16/2014</a:t>
+              <a:t>8/3/2015</a:t>
             </a:fld>
             <a:endParaRPr lang="en-US"/>
           </a:p>
@@ -3136,7 +3148,7 @@
             <a:fld id="{AF79D0BF-EDA9-4C0D-B5C1-D01FE3C9392D}" type="datetime1">
               <a:rPr lang="en-US" smtClean="0"/>
               <a:pPr/>
-              <a:t>10/16/2014</a:t>
+              <a:t>8/3/2015</a:t>
             </a:fld>
             <a:endParaRPr lang="en-US"/>
           </a:p>
@@ -3391,7 +3403,7 @@
             <a:fld id="{D69015D0-49B0-4059-80BB-AF092C6CC282}" type="datetime1">
               <a:rPr lang="en-US" smtClean="0"/>
               <a:pPr/>
-              <a:t>10/16/2014</a:t>
+              <a:t>8/3/2015</a:t>
             </a:fld>
             <a:endParaRPr lang="en-US"/>
           </a:p>
@@ -3676,7 +3688,7 @@
             <a:fld id="{6CFAE174-28EF-4C23-BFDE-B69E139D8EE0}" type="datetime1">
               <a:rPr lang="en-US" smtClean="0"/>
               <a:pPr/>
-              <a:t>10/16/2014</a:t>
+              <a:t>8/3/2015</a:t>
             </a:fld>
             <a:endParaRPr lang="en-US"/>
           </a:p>
@@ -4095,7 +4107,7 @@
             <a:fld id="{3C4735FC-F3F4-4930-AD2E-C703D7636E65}" type="datetime1">
               <a:rPr lang="en-US" smtClean="0"/>
               <a:pPr/>
-              <a:t>10/16/2014</a:t>
+              <a:t>8/3/2015</a:t>
             </a:fld>
             <a:endParaRPr lang="en-US"/>
           </a:p>
@@ -4210,7 +4222,7 @@
             <a:fld id="{37087D82-BB00-4296-AA4E-C167745A82DE}" type="datetime1">
               <a:rPr lang="en-US" smtClean="0"/>
               <a:pPr/>
-              <a:t>10/16/2014</a:t>
+              <a:t>8/3/2015</a:t>
             </a:fld>
             <a:endParaRPr lang="en-US"/>
           </a:p>
@@ -4302,7 +4314,7 @@
             <a:fld id="{E416393F-B669-482B-BFD6-501DDE1069A2}" type="datetime1">
               <a:rPr lang="en-US" smtClean="0"/>
               <a:pPr/>
-              <a:t>10/16/2014</a:t>
+              <a:t>8/3/2015</a:t>
             </a:fld>
             <a:endParaRPr lang="en-US"/>
           </a:p>
@@ -4576,7 +4588,7 @@
             <a:fld id="{8FFF435E-64AB-44BA-AD31-EDF4E3683DDC}" type="datetime1">
               <a:rPr lang="en-US" smtClean="0"/>
               <a:pPr/>
-              <a:t>10/16/2014</a:t>
+              <a:t>8/3/2015</a:t>
             </a:fld>
             <a:endParaRPr lang="en-US"/>
           </a:p>
@@ -4786,7 +4798,7 @@
             <a:fld id="{9FD4D3D6-E918-4CCA-AF93-9744A928CB26}" type="datetime1">
               <a:rPr lang="en-US" smtClean="0"/>
               <a:pPr/>
-              <a:t>10/16/2014</a:t>
+              <a:t>8/3/2015</a:t>
             </a:fld>
             <a:endParaRPr lang="en-US"/>
           </a:p>
@@ -5382,7 +5394,7 @@
               </a:r>
               <a:r>
                 <a:rPr lang="en-US" sz="1000" dirty="0" smtClean="0"/>
-                <a:t>2012-2014</a:t>
+                <a:t>2012-2015</a:t>
               </a:r>
             </a:p>
             <a:p>
@@ -5678,7 +5690,7 @@
         <p:spPr/>
         <p:txBody>
           <a:bodyPr>
-            <a:normAutofit lnSpcReduction="10000"/>
+            <a:normAutofit fontScale="85000" lnSpcReduction="20000"/>
           </a:bodyPr>
           <a:lstStyle/>
           <a:p>
@@ -5768,16 +5780,31 @@
           </a:p>
           <a:p>
             <a:r>
+              <a:rPr lang="en-US" dirty="0" smtClean="0">
+                <a:latin typeface="+mj-lt"/>
+                <a:cs typeface="Consolas" pitchFamily="49" charset="0"/>
+              </a:rPr>
+              <a:t>Avoid lame names, like </a:t>
+            </a:r>
+            <a:r>
+              <a:rPr lang="en-US" b="1" dirty="0" smtClean="0">
+                <a:latin typeface="+mj-lt"/>
+                <a:cs typeface="Consolas" pitchFamily="49" charset="0"/>
+              </a:rPr>
+              <a:t>list1</a:t>
+            </a:r>
+            <a:r>
+              <a:rPr lang="en-US" dirty="0" smtClean="0">
+                <a:latin typeface="+mj-lt"/>
+                <a:cs typeface="Consolas" pitchFamily="49" charset="0"/>
+              </a:rPr>
+              <a:t> .  Names should refer to the information, not just the data type, whenever possible.</a:t>
+            </a:r>
+          </a:p>
+          <a:p>
+            <a:r>
               <a:rPr lang="en-US" dirty="0" smtClean="0"/>
-              <a:t>These </a:t>
-            </a:r>
-            <a:r>
-              <a:rPr lang="en-US" smtClean="0"/>
-              <a:t>are our </a:t>
-            </a:r>
-            <a:r>
-              <a:rPr lang="en-US" dirty="0" smtClean="0"/>
-              <a:t>conventions. Your </a:t>
+              <a:t>These are our conventions. Your </a:t>
             </a:r>
             <a:r>
               <a:rPr lang="en-US" dirty="0"/>
@@ -5883,7 +5910,7 @@
             </a:r>
             <a:r>
               <a:rPr lang="en-US" b="1" dirty="0" err="1" smtClean="0"/>
-              <a:t>NonNegInt</a:t>
+              <a:t>NonNegReal</a:t>
             </a:r>
             <a:r>
               <a:rPr lang="en-US" dirty="0" smtClean="0"/>
@@ -5891,7 +5918,7 @@
             </a:r>
             <a:r>
               <a:rPr lang="en-US" b="1" dirty="0" err="1" smtClean="0"/>
-              <a:t>PosInt</a:t>
+              <a:t>PosReal</a:t>
             </a:r>
             <a:r>
               <a:rPr lang="en-US" dirty="0" smtClean="0"/>
@@ -5931,10 +5958,18 @@
           <a:p>
             <a:pPr lvl="1"/>
             <a:r>
-              <a:rPr lang="en-US" dirty="0" smtClean="0"/>
+              <a:rPr lang="en-US" i="1" dirty="0" smtClean="0">
+                <a:solidFill>
+                  <a:srgbClr val="FF0000"/>
+                </a:solidFill>
+              </a:rPr>
               <a:t>Your function has to handle any value of the type it says in the contract.</a:t>
             </a:r>
-            <a:endParaRPr lang="en-US" dirty="0"/>
+            <a:endParaRPr lang="en-US" i="1" dirty="0">
+              <a:solidFill>
+                <a:srgbClr val="FF0000"/>
+              </a:solidFill>
+            </a:endParaRPr>
           </a:p>
         </p:txBody>
       </p:sp>
@@ -6352,11 +6387,11 @@
             </a:r>
             <a:r>
               <a:rPr lang="en-US" dirty="0"/>
-              <a:t>the function takes an argument that is itemization, </a:t>
+              <a:t>the function takes an argument that is </a:t>
             </a:r>
             <a:r>
               <a:rPr lang="en-US" dirty="0" smtClean="0"/>
-              <a:t>mixed </a:t>
+              <a:t>itemization or mixed </a:t>
             </a:r>
             <a:r>
               <a:rPr lang="en-US" dirty="0"/>
@@ -6429,13 +6464,7 @@
               <a:rPr lang="en-US" dirty="0" smtClean="0">
                 <a:cs typeface="Consolas" pitchFamily="49" charset="0"/>
               </a:rPr>
-              <a:t>If your function uses “cases” to divide a scalar data type into classes, choose examples from </a:t>
-            </a:r>
-            <a:r>
-              <a:rPr lang="en-US" smtClean="0">
-                <a:cs typeface="Consolas" pitchFamily="49" charset="0"/>
-              </a:rPr>
-              <a:t>each class.</a:t>
+              <a:t>If your function uses “cases” to divide a scalar data(*) type into classes, choose examples from each class.</a:t>
             </a:r>
             <a:endParaRPr lang="en-US" dirty="0">
               <a:cs typeface="Consolas" pitchFamily="49" charset="0"/>
@@ -6447,9 +6476,13 @@
             </a:pPr>
             <a:r>
               <a:rPr lang="en-US" dirty="0" smtClean="0"/>
-              <a:t> </a:t>
-            </a:r>
-            <a:endParaRPr lang="en-US" dirty="0"/>
+              <a:t> 	</a:t>
+            </a:r>
+            <a:r>
+              <a:rPr lang="en-US" sz="2100" dirty="0" smtClean="0"/>
+              <a:t>(*) we’ll cover “cases” in a later lesson.</a:t>
+            </a:r>
+            <a:endParaRPr lang="en-US" sz="2100" dirty="0"/>
           </a:p>
         </p:txBody>
       </p:sp>
@@ -7994,13 +8027,28 @@
           <a:p>
             <a:r>
               <a:rPr lang="en-US" dirty="0" smtClean="0"/>
-              <a:t>If you have questions about this lesson, post them on the discussion </a:t>
-            </a:r>
-            <a:r>
-              <a:rPr lang="en-US" smtClean="0"/>
-              <a:t>board.</a:t>
-            </a:r>
-            <a:endParaRPr lang="en-US" dirty="0" smtClean="0"/>
+              <a:t>Study the file 01-3-rocket-examples.rkt in the Examples </a:t>
+            </a:r>
+            <a:r>
+              <a:rPr lang="en-US" smtClean="0"/>
+              <a:t>folder.</a:t>
+            </a:r>
+          </a:p>
+          <a:p>
+            <a:r>
+              <a:rPr lang="en-US" smtClean="0"/>
+              <a:t>If </a:t>
+            </a:r>
+            <a:r>
+              <a:rPr lang="en-US" dirty="0" smtClean="0"/>
+              <a:t>you have questions about this lesson, post them on the discussion board.</a:t>
+            </a:r>
+          </a:p>
+          <a:p>
+            <a:r>
+              <a:rPr lang="en-US" dirty="0" smtClean="0"/>
+              <a:t>Go on to the next lesson.</a:t>
+            </a:r>
           </a:p>
         </p:txBody>
       </p:sp>
@@ -9293,13 +9341,7 @@
               <a:rPr lang="en-US" dirty="0" smtClean="0">
                 <a:cs typeface="Consolas" pitchFamily="49" charset="0"/>
               </a:rPr>
-              <a:t>but WITHOUT reading the code</a:t>
-            </a:r>
-            <a:r>
-              <a:rPr lang="en-US" dirty="0" smtClean="0">
-                <a:cs typeface="Consolas" pitchFamily="49" charset="0"/>
-              </a:rPr>
-              <a:t>!</a:t>
+              <a:t>but WITHOUT reading the code!</a:t>
             </a:r>
           </a:p>
           <a:p>

--- a/Slides/Lesson 1.6 Contracts, Purpose Statements, and Examples.pptx
+++ b/Slides/Lesson 1.6 Contracts, Purpose Statements, and Examples.pptx
@@ -38,34 +38,34 @@
   <p:notesSz cx="6858000" cy="9296400"/>
   <p:embeddedFontLst>
     <p:embeddedFont>
-      <p:font typeface="CMSY10ORIG" panose="020B0604020202020204"/>
+      <p:font typeface="CMMI10" panose="020B0604020202020204"/>
       <p:regular r:id="rId26"/>
     </p:embeddedFont>
     <p:embeddedFont>
-      <p:font typeface="Arial Unicode MS" panose="020B0604020202020204" pitchFamily="34" charset="-128"/>
+      <p:font typeface="Calibri" panose="020F0502020204030204" pitchFamily="34" charset="0"/>
       <p:regular r:id="rId27"/>
+      <p:bold r:id="rId28"/>
+      <p:italic r:id="rId29"/>
+      <p:boldItalic r:id="rId30"/>
+    </p:embeddedFont>
+    <p:embeddedFont>
+      <p:font typeface="CMSY10ORIG" panose="020B0604020202020204"/>
+      <p:regular r:id="rId31"/>
+    </p:embeddedFont>
+    <p:embeddedFont>
+      <p:font typeface="Consolas" panose="020B0609020204030204" pitchFamily="49" charset="0"/>
+      <p:regular r:id="rId32"/>
+      <p:bold r:id="rId33"/>
+      <p:italic r:id="rId34"/>
+      <p:boldItalic r:id="rId35"/>
+    </p:embeddedFont>
+    <p:embeddedFont>
+      <p:font typeface="Arial Unicode MS" panose="020B0604020202020204" charset="-128"/>
+      <p:regular r:id="rId36"/>
     </p:embeddedFont>
     <p:embeddedFont>
       <p:font typeface="CMR10" panose="020B0604020202020204"/>
-      <p:regular r:id="rId28"/>
-    </p:embeddedFont>
-    <p:embeddedFont>
-      <p:font typeface="Calibri" panose="020F0502020204030204" pitchFamily="34" charset="0"/>
-      <p:regular r:id="rId29"/>
-      <p:bold r:id="rId30"/>
-      <p:italic r:id="rId31"/>
-      <p:boldItalic r:id="rId32"/>
-    </p:embeddedFont>
-    <p:embeddedFont>
-      <p:font typeface="CMMI10" panose="020B0604020202020204"/>
-      <p:regular r:id="rId33"/>
-    </p:embeddedFont>
-    <p:embeddedFont>
-      <p:font typeface="Consolas" panose="020B0609020204030204" pitchFamily="49" charset="0"/>
-      <p:regular r:id="rId34"/>
-      <p:bold r:id="rId35"/>
-      <p:italic r:id="rId36"/>
-      <p:boldItalic r:id="rId37"/>
+      <p:regular r:id="rId37"/>
     </p:embeddedFont>
   </p:embeddedFontLst>
   <p:custDataLst>
@@ -274,7 +274,7 @@
             <a:fld id="{F428509D-A83E-4130-9123-C9B4F5E9EE37}" type="datetimeFigureOut">
               <a:rPr lang="en-US" smtClean="0"/>
               <a:pPr/>
-              <a:t>8/3/2015</a:t>
+              <a:t>7/25/2016</a:t>
             </a:fld>
             <a:endParaRPr lang="en-US"/>
           </a:p>
@@ -441,7 +441,7 @@
             <a:fld id="{ACC16E80-119B-43B5-8043-B652C91D44CD}" type="datetimeFigureOut">
               <a:rPr lang="en-US" smtClean="0"/>
               <a:pPr/>
-              <a:t>8/3/2015</a:t>
+              <a:t>7/25/2016</a:t>
             </a:fld>
             <a:endParaRPr lang="en-US"/>
           </a:p>
@@ -507,38 +507,37 @@
           <a:p>
             <a:pPr lvl="0"/>
             <a:r>
-              <a:rPr lang="en-US" smtClean="0"/>
+              <a:rPr lang="en-US"/>
               <a:t>Click to edit Master text styles</a:t>
             </a:r>
           </a:p>
           <a:p>
             <a:pPr lvl="1"/>
             <a:r>
-              <a:rPr lang="en-US" smtClean="0"/>
+              <a:rPr lang="en-US"/>
               <a:t>Second level</a:t>
             </a:r>
           </a:p>
           <a:p>
             <a:pPr lvl="2"/>
             <a:r>
-              <a:rPr lang="en-US" smtClean="0"/>
+              <a:rPr lang="en-US"/>
               <a:t>Third level</a:t>
             </a:r>
           </a:p>
           <a:p>
             <a:pPr lvl="3"/>
             <a:r>
-              <a:rPr lang="en-US" smtClean="0"/>
+              <a:rPr lang="en-US"/>
               <a:t>Fourth level</a:t>
             </a:r>
           </a:p>
           <a:p>
             <a:pPr lvl="4"/>
             <a:r>
-              <a:rPr lang="en-US" smtClean="0"/>
+              <a:rPr lang="en-US"/>
               <a:t>Fifth level</a:t>
             </a:r>
-            <a:endParaRPr lang="en-US"/>
           </a:p>
         </p:txBody>
       </p:sp>
@@ -758,7 +757,7 @@
           </a:bodyPr>
           <a:lstStyle/>
           <a:p>
-            <a:endParaRPr lang="en-US" dirty="0" smtClean="0"/>
+            <a:endParaRPr lang="en-US" dirty="0"/>
           </a:p>
           <a:p>
             <a:endParaRPr lang="en-US" dirty="0"/>
@@ -849,7 +848,7 @@
           <a:lstStyle/>
           <a:p>
             <a:r>
-              <a:rPr lang="en-US" sz="1200" kern="1200" dirty="0" smtClean="0">
+              <a:rPr lang="en-US" sz="1200" kern="1200" dirty="0">
                 <a:solidFill>
                   <a:schemeClr val="tx1"/>
                 </a:solidFill>
@@ -1051,7 +1050,7 @@
               <a:tabLst/>
               <a:defRPr/>
             </a:pPr>
-            <a:endParaRPr lang="en-US" sz="1200" kern="1200" dirty="0" smtClean="0">
+            <a:endParaRPr lang="en-US" sz="1200" kern="1200" dirty="0">
               <a:solidFill>
                 <a:schemeClr val="tx1"/>
               </a:solidFill>
@@ -1161,7 +1160,7 @@
               <a:tabLst/>
               <a:defRPr/>
             </a:pPr>
-            <a:endParaRPr lang="en-US" sz="1200" kern="1200" dirty="0" smtClean="0">
+            <a:endParaRPr lang="en-US" sz="1200" kern="1200" dirty="0">
               <a:solidFill>
                 <a:schemeClr val="tx1"/>
               </a:solidFill>
@@ -1515,10 +1514,9 @@
           <a:lstStyle/>
           <a:p>
             <a:r>
-              <a:rPr lang="en-US" dirty="0" smtClean="0"/>
+              <a:rPr lang="en-US" dirty="0"/>
               <a:t>Here is the function design recipe.  </a:t>
             </a:r>
-            <a:endParaRPr lang="en-US" dirty="0"/>
           </a:p>
         </p:txBody>
       </p:sp>
@@ -1862,7 +1860,7 @@
           <a:bodyPr/>
           <a:lstStyle/>
           <a:p>
-            <a:endParaRPr lang="en-US" sz="1200" kern="1200" dirty="0" smtClean="0">
+            <a:endParaRPr lang="en-US" sz="1200" kern="1200" dirty="0">
               <a:solidFill>
                 <a:schemeClr val="tx1"/>
               </a:solidFill>
@@ -1955,7 +1953,7 @@
           <a:bodyPr/>
           <a:lstStyle/>
           <a:p>
-            <a:endParaRPr lang="en-US" sz="1200" kern="1200" dirty="0" smtClean="0">
+            <a:endParaRPr lang="en-US" sz="1200" kern="1200" dirty="0">
               <a:solidFill>
                 <a:schemeClr val="tx1"/>
               </a:solidFill>
@@ -2042,10 +2040,9 @@
           <a:lstStyle/>
           <a:p>
             <a:r>
-              <a:rPr lang="en-US" smtClean="0"/>
+              <a:rPr lang="en-US"/>
               <a:t>Click to edit Master title style</a:t>
             </a:r>
-            <a:endParaRPr lang="en-US"/>
           </a:p>
         </p:txBody>
       </p:sp>
@@ -2161,10 +2158,9 @@
           </a:lstStyle>
           <a:p>
             <a:r>
-              <a:rPr lang="en-US" smtClean="0"/>
+              <a:rPr lang="en-US"/>
               <a:t>Click to edit Master subtitle style</a:t>
             </a:r>
-            <a:endParaRPr lang="en-US"/>
           </a:p>
         </p:txBody>
       </p:sp>
@@ -2186,7 +2182,7 @@
             <a:fld id="{995A3EAA-2ADF-4730-8F37-D322F0FCA6F7}" type="datetime1">
               <a:rPr lang="en-US" smtClean="0"/>
               <a:pPr/>
-              <a:t>8/3/2015</a:t>
+              <a:t>7/25/2016</a:t>
             </a:fld>
             <a:endParaRPr lang="en-US"/>
           </a:p>
@@ -2240,13 +2236,6 @@
   <p:clrMapOvr>
     <a:masterClrMapping/>
   </p:clrMapOvr>
-  <p:timing>
-    <p:tnLst>
-      <p:par>
-        <p:cTn id="1" dur="indefinite" restart="never" nodeType="tmRoot"/>
-      </p:par>
-    </p:tnLst>
-  </p:timing>
 </p:sldLayout>
 </file>
 
@@ -2292,10 +2281,9 @@
           </a:lstStyle>
           <a:p>
             <a:r>
-              <a:rPr lang="en-US" smtClean="0"/>
+              <a:rPr lang="en-US"/>
               <a:t>Click to edit Master title style</a:t>
             </a:r>
-            <a:endParaRPr lang="en-US"/>
           </a:p>
         </p:txBody>
       </p:sp>
@@ -2419,7 +2407,7 @@
           <a:p>
             <a:pPr lvl="0"/>
             <a:r>
-              <a:rPr lang="en-US" smtClean="0"/>
+              <a:rPr lang="en-US"/>
               <a:t>Click to edit Master text styles</a:t>
             </a:r>
           </a:p>
@@ -2443,7 +2431,7 @@
             <a:fld id="{9A46249C-EA92-4608-8FCA-65260396BA27}" type="datetime1">
               <a:rPr lang="en-US" smtClean="0"/>
               <a:pPr/>
-              <a:t>8/3/2015</a:t>
+              <a:t>7/25/2016</a:t>
             </a:fld>
             <a:endParaRPr lang="en-US"/>
           </a:p>
@@ -2533,10 +2521,9 @@
           <a:lstStyle/>
           <a:p>
             <a:r>
-              <a:rPr lang="en-US" smtClean="0"/>
+              <a:rPr lang="en-US"/>
               <a:t>Click to edit Master title style</a:t>
             </a:r>
-            <a:endParaRPr lang="en-US"/>
           </a:p>
         </p:txBody>
       </p:sp>
@@ -2557,38 +2544,37 @@
           <a:p>
             <a:pPr lvl="0"/>
             <a:r>
-              <a:rPr lang="en-US" smtClean="0"/>
+              <a:rPr lang="en-US"/>
               <a:t>Click to edit Master text styles</a:t>
             </a:r>
           </a:p>
           <a:p>
             <a:pPr lvl="1"/>
             <a:r>
-              <a:rPr lang="en-US" smtClean="0"/>
+              <a:rPr lang="en-US"/>
               <a:t>Second level</a:t>
             </a:r>
           </a:p>
           <a:p>
             <a:pPr lvl="2"/>
             <a:r>
-              <a:rPr lang="en-US" smtClean="0"/>
+              <a:rPr lang="en-US"/>
               <a:t>Third level</a:t>
             </a:r>
           </a:p>
           <a:p>
             <a:pPr lvl="3"/>
             <a:r>
-              <a:rPr lang="en-US" smtClean="0"/>
+              <a:rPr lang="en-US"/>
               <a:t>Fourth level</a:t>
             </a:r>
           </a:p>
           <a:p>
             <a:pPr lvl="4"/>
             <a:r>
-              <a:rPr lang="en-US" smtClean="0"/>
+              <a:rPr lang="en-US"/>
               <a:t>Fifth level</a:t>
             </a:r>
-            <a:endParaRPr lang="en-US"/>
           </a:p>
         </p:txBody>
       </p:sp>
@@ -2610,7 +2596,7 @@
             <a:fld id="{E98573EB-F81F-45A8-8502-B7F241F6310C}" type="datetime1">
               <a:rPr lang="en-US" smtClean="0"/>
               <a:pPr/>
-              <a:t>8/3/2015</a:t>
+              <a:t>7/25/2016</a:t>
             </a:fld>
             <a:endParaRPr lang="en-US"/>
           </a:p>
@@ -2705,10 +2691,9 @@
           <a:lstStyle/>
           <a:p>
             <a:r>
-              <a:rPr lang="en-US" smtClean="0"/>
+              <a:rPr lang="en-US"/>
               <a:t>Click to edit Master title style</a:t>
             </a:r>
-            <a:endParaRPr lang="en-US"/>
           </a:p>
         </p:txBody>
       </p:sp>
@@ -2734,38 +2719,37 @@
           <a:p>
             <a:pPr lvl="0"/>
             <a:r>
-              <a:rPr lang="en-US" smtClean="0"/>
+              <a:rPr lang="en-US"/>
               <a:t>Click to edit Master text styles</a:t>
             </a:r>
           </a:p>
           <a:p>
             <a:pPr lvl="1"/>
             <a:r>
-              <a:rPr lang="en-US" smtClean="0"/>
+              <a:rPr lang="en-US"/>
               <a:t>Second level</a:t>
             </a:r>
           </a:p>
           <a:p>
             <a:pPr lvl="2"/>
             <a:r>
-              <a:rPr lang="en-US" smtClean="0"/>
+              <a:rPr lang="en-US"/>
               <a:t>Third level</a:t>
             </a:r>
           </a:p>
           <a:p>
             <a:pPr lvl="3"/>
             <a:r>
-              <a:rPr lang="en-US" smtClean="0"/>
+              <a:rPr lang="en-US"/>
               <a:t>Fourth level</a:t>
             </a:r>
           </a:p>
           <a:p>
             <a:pPr lvl="4"/>
             <a:r>
-              <a:rPr lang="en-US" smtClean="0"/>
+              <a:rPr lang="en-US"/>
               <a:t>Fifth level</a:t>
             </a:r>
-            <a:endParaRPr lang="en-US"/>
           </a:p>
         </p:txBody>
       </p:sp>
@@ -2787,7 +2771,7 @@
             <a:fld id="{D3B68F27-4D23-4B43-9126-090EEA2632D9}" type="datetime1">
               <a:rPr lang="en-US" smtClean="0"/>
               <a:pPr/>
-              <a:t>8/3/2015</a:t>
+              <a:t>7/25/2016</a:t>
             </a:fld>
             <a:endParaRPr lang="en-US"/>
           </a:p>
@@ -2889,10 +2873,9 @@
           <a:lstStyle/>
           <a:p>
             <a:r>
-              <a:rPr lang="en-US" smtClean="0"/>
+              <a:rPr lang="en-US"/>
               <a:t>Click to edit Master title style</a:t>
             </a:r>
-            <a:endParaRPr lang="en-US"/>
           </a:p>
         </p:txBody>
       </p:sp>
@@ -2913,38 +2896,37 @@
           <a:p>
             <a:pPr lvl="0"/>
             <a:r>
-              <a:rPr lang="en-US" smtClean="0"/>
+              <a:rPr lang="en-US"/>
               <a:t>Click to edit Master text styles</a:t>
             </a:r>
           </a:p>
           <a:p>
             <a:pPr lvl="1"/>
             <a:r>
-              <a:rPr lang="en-US" smtClean="0"/>
+              <a:rPr lang="en-US"/>
               <a:t>Second level</a:t>
             </a:r>
           </a:p>
           <a:p>
             <a:pPr lvl="2"/>
             <a:r>
-              <a:rPr lang="en-US" smtClean="0"/>
+              <a:rPr lang="en-US"/>
               <a:t>Third level</a:t>
             </a:r>
           </a:p>
           <a:p>
             <a:pPr lvl="3"/>
             <a:r>
-              <a:rPr lang="en-US" smtClean="0"/>
+              <a:rPr lang="en-US"/>
               <a:t>Fourth level</a:t>
             </a:r>
           </a:p>
           <a:p>
             <a:pPr lvl="4"/>
             <a:r>
-              <a:rPr lang="en-US" smtClean="0"/>
+              <a:rPr lang="en-US"/>
               <a:t>Fifth level</a:t>
             </a:r>
-            <a:endParaRPr lang="en-US"/>
           </a:p>
         </p:txBody>
       </p:sp>
@@ -2966,7 +2948,7 @@
             <a:fld id="{AF79D0BF-EDA9-4C0D-B5C1-D01FE3C9392D}" type="datetime1">
               <a:rPr lang="en-US" smtClean="0"/>
               <a:pPr/>
-              <a:t>8/3/2015</a:t>
+              <a:t>7/25/2016</a:t>
             </a:fld>
             <a:endParaRPr lang="en-US"/>
           </a:p>
@@ -3020,13 +3002,6 @@
   <p:clrMapOvr>
     <a:masterClrMapping/>
   </p:clrMapOvr>
-  <p:timing>
-    <p:tnLst>
-      <p:par>
-        <p:cTn id="1" dur="indefinite" restart="never" nodeType="tmRoot"/>
-      </p:par>
-    </p:tnLst>
-  </p:timing>
 </p:sldLayout>
 </file>
 
@@ -3063,10 +3038,9 @@
           <a:lstStyle/>
           <a:p>
             <a:r>
-              <a:rPr lang="en-US" smtClean="0"/>
+              <a:rPr lang="en-US"/>
               <a:t>Click to edit Master title style</a:t>
             </a:r>
-            <a:endParaRPr lang="en-US"/>
           </a:p>
         </p:txBody>
       </p:sp>
@@ -3095,38 +3069,37 @@
           <a:p>
             <a:pPr lvl="0"/>
             <a:r>
-              <a:rPr lang="en-US" dirty="0" smtClean="0"/>
+              <a:rPr lang="en-US" dirty="0"/>
               <a:t>Click to edit Master text styles</a:t>
             </a:r>
           </a:p>
           <a:p>
             <a:pPr lvl="1"/>
             <a:r>
-              <a:rPr lang="en-US" dirty="0" smtClean="0"/>
+              <a:rPr lang="en-US" dirty="0"/>
               <a:t>Second level</a:t>
             </a:r>
           </a:p>
           <a:p>
             <a:pPr lvl="2"/>
             <a:r>
-              <a:rPr lang="en-US" dirty="0" smtClean="0"/>
+              <a:rPr lang="en-US" dirty="0"/>
               <a:t>Third level</a:t>
             </a:r>
           </a:p>
           <a:p>
             <a:pPr lvl="3"/>
             <a:r>
-              <a:rPr lang="en-US" dirty="0" smtClean="0"/>
+              <a:rPr lang="en-US" dirty="0"/>
               <a:t>Fourth level</a:t>
             </a:r>
           </a:p>
           <a:p>
             <a:pPr lvl="4"/>
             <a:r>
-              <a:rPr lang="en-US" dirty="0" smtClean="0"/>
+              <a:rPr lang="en-US" dirty="0"/>
               <a:t>Fifth level</a:t>
             </a:r>
-            <a:endParaRPr lang="en-US" dirty="0"/>
           </a:p>
         </p:txBody>
       </p:sp>
@@ -3148,7 +3121,7 @@
             <a:fld id="{AF79D0BF-EDA9-4C0D-B5C1-D01FE3C9392D}" type="datetime1">
               <a:rPr lang="en-US" smtClean="0"/>
               <a:pPr/>
-              <a:t>8/3/2015</a:t>
+              <a:t>7/25/2016</a:t>
             </a:fld>
             <a:endParaRPr lang="en-US"/>
           </a:p>
@@ -3207,13 +3180,6 @@
   <p:clrMapOvr>
     <a:masterClrMapping/>
   </p:clrMapOvr>
-  <p:timing>
-    <p:tnLst>
-      <p:par>
-        <p:cTn id="1" dur="indefinite" restart="never" nodeType="tmRoot"/>
-      </p:par>
-    </p:tnLst>
-  </p:timing>
 </p:sldLayout>
 </file>
 
@@ -3259,10 +3225,9 @@
           </a:lstStyle>
           <a:p>
             <a:r>
-              <a:rPr lang="en-US" smtClean="0"/>
+              <a:rPr lang="en-US"/>
               <a:t>Click to edit Master title style</a:t>
             </a:r>
-            <a:endParaRPr lang="en-US"/>
           </a:p>
         </p:txBody>
       </p:sp>
@@ -3379,7 +3344,7 @@
           <a:p>
             <a:pPr lvl="0"/>
             <a:r>
-              <a:rPr lang="en-US" smtClean="0"/>
+              <a:rPr lang="en-US"/>
               <a:t>Click to edit Master text styles</a:t>
             </a:r>
           </a:p>
@@ -3403,7 +3368,7 @@
             <a:fld id="{D69015D0-49B0-4059-80BB-AF092C6CC282}" type="datetime1">
               <a:rPr lang="en-US" smtClean="0"/>
               <a:pPr/>
-              <a:t>8/3/2015</a:t>
+              <a:t>7/25/2016</a:t>
             </a:fld>
             <a:endParaRPr lang="en-US"/>
           </a:p>
@@ -3493,10 +3458,9 @@
           <a:lstStyle/>
           <a:p>
             <a:r>
-              <a:rPr lang="en-US" smtClean="0"/>
+              <a:rPr lang="en-US"/>
               <a:t>Click to edit Master title style</a:t>
             </a:r>
-            <a:endParaRPr lang="en-US"/>
           </a:p>
         </p:txBody>
       </p:sp>
@@ -3550,38 +3514,37 @@
           <a:p>
             <a:pPr lvl="0"/>
             <a:r>
-              <a:rPr lang="en-US" smtClean="0"/>
+              <a:rPr lang="en-US"/>
               <a:t>Click to edit Master text styles</a:t>
             </a:r>
           </a:p>
           <a:p>
             <a:pPr lvl="1"/>
             <a:r>
-              <a:rPr lang="en-US" smtClean="0"/>
+              <a:rPr lang="en-US"/>
               <a:t>Second level</a:t>
             </a:r>
           </a:p>
           <a:p>
             <a:pPr lvl="2"/>
             <a:r>
-              <a:rPr lang="en-US" smtClean="0"/>
+              <a:rPr lang="en-US"/>
               <a:t>Third level</a:t>
             </a:r>
           </a:p>
           <a:p>
             <a:pPr lvl="3"/>
             <a:r>
-              <a:rPr lang="en-US" smtClean="0"/>
+              <a:rPr lang="en-US"/>
               <a:t>Fourth level</a:t>
             </a:r>
           </a:p>
           <a:p>
             <a:pPr lvl="4"/>
             <a:r>
-              <a:rPr lang="en-US" smtClean="0"/>
+              <a:rPr lang="en-US"/>
               <a:t>Fifth level</a:t>
             </a:r>
-            <a:endParaRPr lang="en-US"/>
           </a:p>
         </p:txBody>
       </p:sp>
@@ -3635,38 +3598,37 @@
           <a:p>
             <a:pPr lvl="0"/>
             <a:r>
-              <a:rPr lang="en-US" smtClean="0"/>
+              <a:rPr lang="en-US"/>
               <a:t>Click to edit Master text styles</a:t>
             </a:r>
           </a:p>
           <a:p>
             <a:pPr lvl="1"/>
             <a:r>
-              <a:rPr lang="en-US" smtClean="0"/>
+              <a:rPr lang="en-US"/>
               <a:t>Second level</a:t>
             </a:r>
           </a:p>
           <a:p>
             <a:pPr lvl="2"/>
             <a:r>
-              <a:rPr lang="en-US" smtClean="0"/>
+              <a:rPr lang="en-US"/>
               <a:t>Third level</a:t>
             </a:r>
           </a:p>
           <a:p>
             <a:pPr lvl="3"/>
             <a:r>
-              <a:rPr lang="en-US" smtClean="0"/>
+              <a:rPr lang="en-US"/>
               <a:t>Fourth level</a:t>
             </a:r>
           </a:p>
           <a:p>
             <a:pPr lvl="4"/>
             <a:r>
-              <a:rPr lang="en-US" smtClean="0"/>
+              <a:rPr lang="en-US"/>
               <a:t>Fifth level</a:t>
             </a:r>
-            <a:endParaRPr lang="en-US"/>
           </a:p>
         </p:txBody>
       </p:sp>
@@ -3688,7 +3650,7 @@
             <a:fld id="{6CFAE174-28EF-4C23-BFDE-B69E139D8EE0}" type="datetime1">
               <a:rPr lang="en-US" smtClean="0"/>
               <a:pPr/>
-              <a:t>8/3/2015</a:t>
+              <a:t>7/25/2016</a:t>
             </a:fld>
             <a:endParaRPr lang="en-US"/>
           </a:p>
@@ -3782,10 +3744,9 @@
           </a:lstStyle>
           <a:p>
             <a:r>
-              <a:rPr lang="en-US" smtClean="0"/>
+              <a:rPr lang="en-US"/>
               <a:t>Click to edit Master title style</a:t>
             </a:r>
-            <a:endParaRPr lang="en-US"/>
           </a:p>
         </p:txBody>
       </p:sp>
@@ -3848,7 +3809,7 @@
           <a:p>
             <a:pPr lvl="0"/>
             <a:r>
-              <a:rPr lang="en-US" smtClean="0"/>
+              <a:rPr lang="en-US"/>
               <a:t>Click to edit Master text styles</a:t>
             </a:r>
           </a:p>
@@ -3904,38 +3865,37 @@
           <a:p>
             <a:pPr lvl="0"/>
             <a:r>
-              <a:rPr lang="en-US" smtClean="0"/>
+              <a:rPr lang="en-US"/>
               <a:t>Click to edit Master text styles</a:t>
             </a:r>
           </a:p>
           <a:p>
             <a:pPr lvl="1"/>
             <a:r>
-              <a:rPr lang="en-US" smtClean="0"/>
+              <a:rPr lang="en-US"/>
               <a:t>Second level</a:t>
             </a:r>
           </a:p>
           <a:p>
             <a:pPr lvl="2"/>
             <a:r>
-              <a:rPr lang="en-US" smtClean="0"/>
+              <a:rPr lang="en-US"/>
               <a:t>Third level</a:t>
             </a:r>
           </a:p>
           <a:p>
             <a:pPr lvl="3"/>
             <a:r>
-              <a:rPr lang="en-US" smtClean="0"/>
+              <a:rPr lang="en-US"/>
               <a:t>Fourth level</a:t>
             </a:r>
           </a:p>
           <a:p>
             <a:pPr lvl="4"/>
             <a:r>
-              <a:rPr lang="en-US" smtClean="0"/>
+              <a:rPr lang="en-US"/>
               <a:t>Fifth level</a:t>
             </a:r>
-            <a:endParaRPr lang="en-US"/>
           </a:p>
         </p:txBody>
       </p:sp>
@@ -3998,7 +3958,7 @@
           <a:p>
             <a:pPr lvl="0"/>
             <a:r>
-              <a:rPr lang="en-US" smtClean="0"/>
+              <a:rPr lang="en-US"/>
               <a:t>Click to edit Master text styles</a:t>
             </a:r>
           </a:p>
@@ -4054,38 +4014,37 @@
           <a:p>
             <a:pPr lvl="0"/>
             <a:r>
-              <a:rPr lang="en-US" smtClean="0"/>
+              <a:rPr lang="en-US"/>
               <a:t>Click to edit Master text styles</a:t>
             </a:r>
           </a:p>
           <a:p>
             <a:pPr lvl="1"/>
             <a:r>
-              <a:rPr lang="en-US" smtClean="0"/>
+              <a:rPr lang="en-US"/>
               <a:t>Second level</a:t>
             </a:r>
           </a:p>
           <a:p>
             <a:pPr lvl="2"/>
             <a:r>
-              <a:rPr lang="en-US" smtClean="0"/>
+              <a:rPr lang="en-US"/>
               <a:t>Third level</a:t>
             </a:r>
           </a:p>
           <a:p>
             <a:pPr lvl="3"/>
             <a:r>
-              <a:rPr lang="en-US" smtClean="0"/>
+              <a:rPr lang="en-US"/>
               <a:t>Fourth level</a:t>
             </a:r>
           </a:p>
           <a:p>
             <a:pPr lvl="4"/>
             <a:r>
-              <a:rPr lang="en-US" smtClean="0"/>
+              <a:rPr lang="en-US"/>
               <a:t>Fifth level</a:t>
             </a:r>
-            <a:endParaRPr lang="en-US"/>
           </a:p>
         </p:txBody>
       </p:sp>
@@ -4107,7 +4066,7 @@
             <a:fld id="{3C4735FC-F3F4-4930-AD2E-C703D7636E65}" type="datetime1">
               <a:rPr lang="en-US" smtClean="0"/>
               <a:pPr/>
-              <a:t>8/3/2015</a:t>
+              <a:t>7/25/2016</a:t>
             </a:fld>
             <a:endParaRPr lang="en-US"/>
           </a:p>
@@ -4197,10 +4156,9 @@
           <a:lstStyle/>
           <a:p>
             <a:r>
-              <a:rPr lang="en-US" smtClean="0"/>
+              <a:rPr lang="en-US"/>
               <a:t>Click to edit Master title style</a:t>
             </a:r>
-            <a:endParaRPr lang="en-US"/>
           </a:p>
         </p:txBody>
       </p:sp>
@@ -4222,7 +4180,7 @@
             <a:fld id="{37087D82-BB00-4296-AA4E-C167745A82DE}" type="datetime1">
               <a:rPr lang="en-US" smtClean="0"/>
               <a:pPr/>
-              <a:t>8/3/2015</a:t>
+              <a:t>7/25/2016</a:t>
             </a:fld>
             <a:endParaRPr lang="en-US"/>
           </a:p>
@@ -4314,7 +4272,7 @@
             <a:fld id="{E416393F-B669-482B-BFD6-501DDE1069A2}" type="datetime1">
               <a:rPr lang="en-US" smtClean="0"/>
               <a:pPr/>
-              <a:t>8/3/2015</a:t>
+              <a:t>7/25/2016</a:t>
             </a:fld>
             <a:endParaRPr lang="en-US"/>
           </a:p>
@@ -4413,10 +4371,9 @@
           </a:lstStyle>
           <a:p>
             <a:r>
-              <a:rPr lang="en-US" smtClean="0"/>
+              <a:rPr lang="en-US"/>
               <a:t>Click to edit Master title style</a:t>
             </a:r>
-            <a:endParaRPr lang="en-US"/>
           </a:p>
         </p:txBody>
       </p:sp>
@@ -4470,38 +4427,37 @@
           <a:p>
             <a:pPr lvl="0"/>
             <a:r>
-              <a:rPr lang="en-US" smtClean="0"/>
+              <a:rPr lang="en-US"/>
               <a:t>Click to edit Master text styles</a:t>
             </a:r>
           </a:p>
           <a:p>
             <a:pPr lvl="1"/>
             <a:r>
-              <a:rPr lang="en-US" smtClean="0"/>
+              <a:rPr lang="en-US"/>
               <a:t>Second level</a:t>
             </a:r>
           </a:p>
           <a:p>
             <a:pPr lvl="2"/>
             <a:r>
-              <a:rPr lang="en-US" smtClean="0"/>
+              <a:rPr lang="en-US"/>
               <a:t>Third level</a:t>
             </a:r>
           </a:p>
           <a:p>
             <a:pPr lvl="3"/>
             <a:r>
-              <a:rPr lang="en-US" smtClean="0"/>
+              <a:rPr lang="en-US"/>
               <a:t>Fourth level</a:t>
             </a:r>
           </a:p>
           <a:p>
             <a:pPr lvl="4"/>
             <a:r>
-              <a:rPr lang="en-US" smtClean="0"/>
+              <a:rPr lang="en-US"/>
               <a:t>Fifth level</a:t>
             </a:r>
-            <a:endParaRPr lang="en-US"/>
           </a:p>
         </p:txBody>
       </p:sp>
@@ -4564,7 +4520,7 @@
           <a:p>
             <a:pPr lvl="0"/>
             <a:r>
-              <a:rPr lang="en-US" smtClean="0"/>
+              <a:rPr lang="en-US"/>
               <a:t>Click to edit Master text styles</a:t>
             </a:r>
           </a:p>
@@ -4588,7 +4544,7 @@
             <a:fld id="{8FFF435E-64AB-44BA-AD31-EDF4E3683DDC}" type="datetime1">
               <a:rPr lang="en-US" smtClean="0"/>
               <a:pPr/>
-              <a:t>8/3/2015</a:t>
+              <a:t>7/25/2016</a:t>
             </a:fld>
             <a:endParaRPr lang="en-US"/>
           </a:p>
@@ -4693,10 +4649,9 @@
           <a:lstStyle/>
           <a:p>
             <a:r>
-              <a:rPr lang="en-US" smtClean="0"/>
+              <a:rPr lang="en-US"/>
               <a:t>Click to edit Master title style</a:t>
             </a:r>
-            <a:endParaRPr lang="en-US"/>
           </a:p>
         </p:txBody>
       </p:sp>
@@ -4727,38 +4682,37 @@
           <a:p>
             <a:pPr lvl="0"/>
             <a:r>
-              <a:rPr lang="en-US" smtClean="0"/>
+              <a:rPr lang="en-US"/>
               <a:t>Click to edit Master text styles</a:t>
             </a:r>
           </a:p>
           <a:p>
             <a:pPr lvl="1"/>
             <a:r>
-              <a:rPr lang="en-US" smtClean="0"/>
+              <a:rPr lang="en-US"/>
               <a:t>Second level</a:t>
             </a:r>
           </a:p>
           <a:p>
             <a:pPr lvl="2"/>
             <a:r>
-              <a:rPr lang="en-US" smtClean="0"/>
+              <a:rPr lang="en-US"/>
               <a:t>Third level</a:t>
             </a:r>
           </a:p>
           <a:p>
             <a:pPr lvl="3"/>
             <a:r>
-              <a:rPr lang="en-US" smtClean="0"/>
+              <a:rPr lang="en-US"/>
               <a:t>Fourth level</a:t>
             </a:r>
           </a:p>
           <a:p>
             <a:pPr lvl="4"/>
             <a:r>
-              <a:rPr lang="en-US" smtClean="0"/>
+              <a:rPr lang="en-US"/>
               <a:t>Fifth level</a:t>
             </a:r>
-            <a:endParaRPr lang="en-US"/>
           </a:p>
         </p:txBody>
       </p:sp>
@@ -4798,7 +4752,7 @@
             <a:fld id="{9FD4D3D6-E918-4CCA-AF93-9744A928CB26}" type="datetime1">
               <a:rPr lang="en-US" smtClean="0"/>
               <a:pPr/>
-              <a:t>8/3/2015</a:t>
+              <a:t>7/25/2016</a:t>
             </a:fld>
             <a:endParaRPr lang="en-US"/>
           </a:p>
@@ -4900,13 +4854,6 @@
     <p:sldLayoutId id="2147483658" r:id="rId11"/>
     <p:sldLayoutId id="2147483659" r:id="rId12"/>
   </p:sldLayoutIdLst>
-  <p:timing>
-    <p:tnLst>
-      <p:par>
-        <p:cTn id="1" dur="indefinite" restart="never" nodeType="tmRoot"/>
-      </p:par>
-    </p:tnLst>
-  </p:timing>
   <p:hf hdr="0" ftr="0" dt="0"/>
   <p:txStyles>
     <p:titleStyle>
@@ -5188,16 +5135,23 @@
             <p:ph type="ctrTitle"/>
           </p:nvPr>
         </p:nvSpPr>
-        <p:spPr/>
-        <p:txBody>
-          <a:bodyPr/>
-          <a:lstStyle/>
-          <a:p>
-            <a:r>
-              <a:rPr lang="en-US" dirty="0" smtClean="0"/>
+        <p:spPr>
+          <a:ln w="28575">
+            <a:solidFill>
+              <a:schemeClr val="accent1"/>
+            </a:solidFill>
+          </a:ln>
+        </p:spPr>
+        <p:txBody>
+          <a:bodyPr vert="horz" lIns="91440" tIns="45720" rIns="91440" bIns="45720" rtlCol="0" anchor="ctr">
+            <a:normAutofit/>
+          </a:bodyPr>
+          <a:lstStyle/>
+          <a:p>
+            <a:r>
+              <a:rPr lang="en-US" dirty="0"/>
               <a:t>Contracts, Purpose Statements, Examples and Tests</a:t>
             </a:r>
-            <a:endParaRPr lang="en-US" dirty="0"/>
           </a:p>
         </p:txBody>
       </p:sp>
@@ -5217,21 +5171,21 @@
           <a:lstStyle/>
           <a:p>
             <a:r>
-              <a:rPr lang="en-US" dirty="0" smtClean="0"/>
+              <a:rPr lang="en-US" dirty="0"/>
               <a:t>CS 5010 Program Design Paradigms “</a:t>
             </a:r>
             <a:r>
-              <a:rPr lang="en-US" dirty="0" err="1" smtClean="0"/>
+              <a:rPr lang="en-US" dirty="0" err="1"/>
               <a:t>Bootcamp</a:t>
             </a:r>
             <a:r>
-              <a:rPr lang="en-US" dirty="0" smtClean="0"/>
+              <a:rPr lang="en-US" dirty="0"/>
               <a:t>”</a:t>
             </a:r>
           </a:p>
           <a:p>
             <a:r>
-              <a:rPr lang="en-US" dirty="0" smtClean="0"/>
+              <a:rPr lang="en-US" dirty="0"/>
               <a:t>Lesson 1.6</a:t>
             </a:r>
           </a:p>
@@ -5267,29 +5221,29 @@
           <a:lstStyle/>
           <a:p>
             <a:r>
-              <a:rPr lang="en-US" smtClean="0"/>
+              <a:rPr lang="en-US"/>
               <a:t>TexPoint fonts used in EMF. </a:t>
             </a:r>
           </a:p>
           <a:p>
             <a:r>
-              <a:rPr lang="en-US" smtClean="0"/>
+              <a:rPr lang="en-US"/>
               <a:t>Read the TexPoint manual before you delete this box.: </a:t>
             </a:r>
             <a:r>
-              <a:rPr lang="en-US" smtClean="0">
+              <a:rPr lang="en-US">
                 <a:latin typeface="CMMI10"/>
               </a:rPr>
               <a:t>A</a:t>
             </a:r>
             <a:r>
-              <a:rPr lang="en-US" smtClean="0">
+              <a:rPr lang="en-US">
                 <a:latin typeface="CMR10"/>
               </a:rPr>
               <a:t>A</a:t>
             </a:r>
             <a:r>
-              <a:rPr lang="en-US" smtClean="0">
+              <a:rPr lang="en-US">
                 <a:latin typeface="CMSY10ORIG"/>
               </a:rPr>
               <a:t>A</a:t>
@@ -5390,27 +5344,13 @@
             <a:p>
               <a:r>
                 <a:rPr lang="en-US" sz="1000" dirty="0"/>
-                <a:t>© Mitchell Wand, </a:t>
-              </a:r>
-              <a:r>
-                <a:rPr lang="en-US" sz="1000" dirty="0" smtClean="0"/>
-                <a:t>2012-2015</a:t>
+                <a:t>© Mitchell Wand, 2012-2015</a:t>
               </a:r>
             </a:p>
             <a:p>
               <a:r>
-                <a:rPr lang="en-US" sz="1000" dirty="0" smtClean="0"/>
+                <a:rPr lang="en-US" sz="1000" dirty="0"/>
                 <a:t>This work is licensed under a </a:t>
-              </a:r>
-              <a:r>
-                <a:rPr lang="en-US" altLang="en-US" sz="1000" dirty="0" smtClean="0">
-                  <a:solidFill>
-                    <a:srgbClr val="4374B7"/>
-                  </a:solidFill>
-                  <a:latin typeface="Arial Unicode MS" panose="020B0604020202020204" pitchFamily="34" charset="-128"/>
-                  <a:hlinkClick r:id="rId5"/>
-                </a:rPr>
-                <a:t>Creative </a:t>
               </a:r>
               <a:r>
                 <a:rPr lang="en-US" altLang="en-US" sz="1000" dirty="0">
@@ -5420,7 +5360,7 @@
                   <a:latin typeface="Arial Unicode MS" panose="020B0604020202020204" pitchFamily="34" charset="-128"/>
                   <a:hlinkClick r:id="rId5"/>
                 </a:rPr>
-                <a:t>Commons Attribution-</a:t>
+                <a:t>Creative Commons Attribution-</a:t>
               </a:r>
               <a:r>
                 <a:rPr lang="en-US" altLang="en-US" sz="1000" dirty="0" err="1">
@@ -5443,10 +5383,9 @@
                 <a:t> 4.0 International License</a:t>
               </a:r>
               <a:r>
-                <a:rPr lang="en-US" sz="1000" dirty="0" smtClean="0"/>
+                <a:rPr lang="en-US" sz="1000" dirty="0"/>
                 <a:t>.</a:t>
               </a:r>
-              <a:endParaRPr lang="en-US" sz="1000" dirty="0"/>
             </a:p>
           </p:txBody>
         </p:sp>
@@ -5456,13 +5395,6 @@
   <p:clrMapOvr>
     <a:masterClrMapping/>
   </p:clrMapOvr>
-  <p:timing>
-    <p:tnLst>
-      <p:par>
-        <p:cTn id="1" dur="indefinite" restart="never" nodeType="tmRoot"/>
-      </p:par>
-    </p:tnLst>
-  </p:timing>
 </p:sld>
 </file>
 
@@ -5501,10 +5433,9 @@
           <a:lstStyle/>
           <a:p>
             <a:r>
-              <a:rPr lang="en-US" dirty="0" smtClean="0"/>
+              <a:rPr lang="en-US" dirty="0"/>
               <a:t>Conventions for Good Names</a:t>
             </a:r>
-            <a:endParaRPr lang="en-US" dirty="0"/>
           </a:p>
         </p:txBody>
       </p:sp>
@@ -5547,12 +5478,8 @@
               <a:buChar char="•"/>
             </a:pPr>
             <a:r>
-              <a:rPr lang="en-US" sz="3200" dirty="0" smtClean="0"/>
-              <a:t>Use the </a:t>
-            </a:r>
-            <a:r>
               <a:rPr lang="en-US" sz="3200" dirty="0"/>
-              <a:t>minus sign to separate components of a name, e.g. </a:t>
+              <a:t>Use the minus sign to separate components of a name, e.g. </a:t>
             </a:r>
             <a:r>
               <a:rPr lang="en-US" sz="3200" b="1" dirty="0">
@@ -5565,32 +5492,32 @@
           </a:p>
           <a:p>
             <a:r>
-              <a:rPr lang="en-US" dirty="0" smtClean="0">
+              <a:rPr lang="en-US" dirty="0">
                 <a:cs typeface="Consolas"/>
               </a:rPr>
               <a:t>Use the question mark to name predicates: </a:t>
             </a:r>
             <a:r>
-              <a:rPr lang="en-US" dirty="0" err="1" smtClean="0">
+              <a:rPr lang="en-US" dirty="0" err="1">
                 <a:cs typeface="Consolas"/>
               </a:rPr>
               <a:t>eg</a:t>
             </a:r>
             <a:r>
-              <a:rPr lang="en-US" dirty="0" smtClean="0">
+              <a:rPr lang="en-US" dirty="0">
                 <a:cs typeface="Consolas"/>
               </a:rPr>
               <a:t>, </a:t>
             </a:r>
             <a:r>
-              <a:rPr lang="en-US" b="1" dirty="0" smtClean="0">
+              <a:rPr lang="en-US" b="1" dirty="0">
                 <a:latin typeface="Consolas" pitchFamily="49" charset="0"/>
                 <a:cs typeface="Consolas" pitchFamily="49" charset="0"/>
               </a:rPr>
               <a:t>square?</a:t>
             </a:r>
             <a:r>
-              <a:rPr lang="en-US" dirty="0" smtClean="0">
+              <a:rPr lang="en-US" dirty="0">
                 <a:cs typeface="Consolas"/>
               </a:rPr>
               <a:t> .</a:t>
@@ -5598,14 +5525,14 @@
           </a:p>
           <a:p>
             <a:r>
-              <a:rPr lang="en-US" dirty="0" smtClean="0">
+              <a:rPr lang="en-US" dirty="0">
                 <a:cs typeface="Consolas"/>
               </a:rPr>
               <a:t>These are our conventions.  Other languages have other conventions; you should follow them.</a:t>
             </a:r>
           </a:p>
           <a:p>
-            <a:endParaRPr lang="en-US" dirty="0" smtClean="0">
+            <a:endParaRPr lang="en-US" dirty="0">
               <a:cs typeface="Consolas"/>
             </a:endParaRPr>
           </a:p>
@@ -5627,13 +5554,6 @@
   <p:clrMapOvr>
     <a:masterClrMapping/>
   </p:clrMapOvr>
-  <p:timing>
-    <p:tnLst>
-      <p:par>
-        <p:cTn id="1" dur="indefinite" restart="never" nodeType="tmRoot"/>
-      </p:par>
-    </p:tnLst>
-  </p:timing>
 </p:sld>
 </file>
 
@@ -5670,10 +5590,9 @@
           <a:lstStyle/>
           <a:p>
             <a:r>
-              <a:rPr lang="en-US" dirty="0" smtClean="0"/>
+              <a:rPr lang="en-US" dirty="0"/>
               <a:t>Argument Names</a:t>
             </a:r>
-            <a:endParaRPr lang="en-US" dirty="0"/>
           </a:p>
         </p:txBody>
       </p:sp>
@@ -5695,25 +5614,25 @@
           <a:lstStyle/>
           <a:p>
             <a:r>
-              <a:rPr lang="en-US" dirty="0" smtClean="0"/>
+              <a:rPr lang="en-US" dirty="0"/>
               <a:t>We use short names for arguments:</a:t>
             </a:r>
           </a:p>
           <a:p>
             <a:pPr lvl="1"/>
             <a:r>
-              <a:rPr lang="en-US" b="1" dirty="0" smtClean="0">
+              <a:rPr lang="en-US" b="1" dirty="0">
                 <a:latin typeface="Consolas" pitchFamily="49" charset="0"/>
                 <a:cs typeface="Consolas" pitchFamily="49" charset="0"/>
               </a:rPr>
               <a:t>b</a:t>
             </a:r>
             <a:r>
-              <a:rPr lang="en-US" dirty="0" smtClean="0"/>
+              <a:rPr lang="en-US" dirty="0"/>
               <a:t> for a </a:t>
             </a:r>
             <a:r>
-              <a:rPr lang="en-US" b="1" dirty="0" smtClean="0">
+              <a:rPr lang="en-US" b="1" dirty="0">
                 <a:latin typeface="Consolas" pitchFamily="49" charset="0"/>
                 <a:cs typeface="Consolas" pitchFamily="49" charset="0"/>
               </a:rPr>
@@ -5722,25 +5641,25 @@
           </a:p>
           <a:p>
             <a:r>
-              <a:rPr lang="en-US" dirty="0" smtClean="0"/>
+              <a:rPr lang="en-US" dirty="0"/>
               <a:t>Or mnemonic names:</a:t>
             </a:r>
           </a:p>
           <a:p>
             <a:pPr lvl="1"/>
             <a:r>
-              <a:rPr lang="en-US" b="1" dirty="0" smtClean="0">
+              <a:rPr lang="en-US" b="1" dirty="0">
                 <a:latin typeface="Consolas" pitchFamily="49" charset="0"/>
                 <a:cs typeface="Consolas" pitchFamily="49" charset="0"/>
               </a:rPr>
               <a:t>cost</a:t>
             </a:r>
             <a:r>
-              <a:rPr lang="en-US" dirty="0" smtClean="0"/>
+              <a:rPr lang="en-US" dirty="0"/>
               <a:t>, </a:t>
             </a:r>
             <a:r>
-              <a:rPr lang="en-US" b="1" dirty="0" smtClean="0">
+              <a:rPr lang="en-US" b="1" dirty="0">
                 <a:latin typeface="Consolas" pitchFamily="49" charset="0"/>
                 <a:cs typeface="Consolas" pitchFamily="49" charset="0"/>
               </a:rPr>
@@ -5749,7 +5668,7 @@
           </a:p>
           <a:p>
             <a:r>
-              <a:rPr lang="en-US" dirty="0" smtClean="0">
+              <a:rPr lang="en-US" dirty="0">
                 <a:cs typeface="Consolas" pitchFamily="49" charset="0"/>
               </a:rPr>
               <a:t>Qualified names:</a:t>
@@ -5758,20 +5677,20 @@
           <a:p>
             <a:pPr lvl="1"/>
             <a:r>
-              <a:rPr lang="en-US" b="1" dirty="0" smtClean="0">
+              <a:rPr lang="en-US" b="1" dirty="0">
                 <a:latin typeface="Consolas" pitchFamily="49" charset="0"/>
                 <a:cs typeface="Consolas" pitchFamily="49" charset="0"/>
               </a:rPr>
               <a:t>mouse-x</a:t>
             </a:r>
             <a:r>
-              <a:rPr lang="en-US" dirty="0" smtClean="0">
+              <a:rPr lang="en-US" dirty="0">
                 <a:cs typeface="Consolas" pitchFamily="49" charset="0"/>
               </a:rPr>
               <a:t>, </a:t>
             </a:r>
             <a:r>
-              <a:rPr lang="en-US" b="1" dirty="0" smtClean="0">
+              <a:rPr lang="en-US" b="1" dirty="0">
                 <a:latin typeface="Consolas" pitchFamily="49" charset="0"/>
                 <a:cs typeface="Consolas" pitchFamily="49" charset="0"/>
               </a:rPr>
@@ -5780,21 +5699,21 @@
           </a:p>
           <a:p>
             <a:r>
-              <a:rPr lang="en-US" dirty="0" smtClean="0">
+              <a:rPr lang="en-US" dirty="0">
                 <a:latin typeface="+mj-lt"/>
                 <a:cs typeface="Consolas" pitchFamily="49" charset="0"/>
               </a:rPr>
               <a:t>Avoid lame names, like </a:t>
             </a:r>
             <a:r>
-              <a:rPr lang="en-US" b="1" dirty="0" smtClean="0">
+              <a:rPr lang="en-US" b="1" dirty="0">
                 <a:latin typeface="+mj-lt"/>
                 <a:cs typeface="Consolas" pitchFamily="49" charset="0"/>
               </a:rPr>
               <a:t>list1</a:t>
             </a:r>
             <a:r>
-              <a:rPr lang="en-US" dirty="0" smtClean="0">
+              <a:rPr lang="en-US" dirty="0">
                 <a:latin typeface="+mj-lt"/>
                 <a:cs typeface="Consolas" pitchFamily="49" charset="0"/>
               </a:rPr>
@@ -5803,12 +5722,8 @@
           </a:p>
           <a:p>
             <a:r>
-              <a:rPr lang="en-US" dirty="0" smtClean="0"/>
-              <a:t>These are our conventions. Your </a:t>
-            </a:r>
-            <a:r>
               <a:rPr lang="en-US" dirty="0"/>
-              <a:t>workplace may have different conventions for argument names.</a:t>
+              <a:t>These are our conventions. Your workplace may have different conventions for argument names.</a:t>
             </a:r>
             <a:endParaRPr lang="en-US" b="1" dirty="0">
               <a:latin typeface="Consolas" pitchFamily="49" charset="0"/>
@@ -5827,13 +5742,6 @@
   <p:clrMapOvr>
     <a:masterClrMapping/>
   </p:clrMapOvr>
-  <p:timing>
-    <p:tnLst>
-      <p:par>
-        <p:cTn id="1" dur="indefinite" restart="never" nodeType="tmRoot"/>
-      </p:par>
-    </p:tnLst>
-  </p:timing>
 </p:sld>
 </file>
 
@@ -5870,10 +5778,9 @@
           <a:lstStyle/>
           <a:p>
             <a:r>
-              <a:rPr lang="en-US" dirty="0" smtClean="0"/>
+              <a:rPr lang="en-US" dirty="0"/>
               <a:t>Numeric Data Types</a:t>
             </a:r>
-            <a:endParaRPr lang="en-US" dirty="0"/>
           </a:p>
         </p:txBody>
       </p:sp>
@@ -5895,81 +5802,76 @@
           <a:lstStyle/>
           <a:p>
             <a:r>
-              <a:rPr lang="en-US" dirty="0" smtClean="0"/>
+              <a:rPr lang="en-US" dirty="0"/>
               <a:t>In Racket, Number includes Complex numbers, so we'll hardly ever use Number.</a:t>
             </a:r>
           </a:p>
           <a:p>
             <a:r>
-              <a:rPr lang="en-US" b="1" dirty="0" smtClean="0"/>
+              <a:rPr lang="en-US" b="1" dirty="0"/>
               <a:t>Integer</a:t>
             </a:r>
             <a:r>
-              <a:rPr lang="en-US" dirty="0" smtClean="0"/>
+              <a:rPr lang="en-US" dirty="0"/>
               <a:t> vs. </a:t>
             </a:r>
             <a:r>
-              <a:rPr lang="en-US" b="1" dirty="0" err="1" smtClean="0"/>
+              <a:rPr lang="en-US" b="1" dirty="0" err="1"/>
               <a:t>NonNegReal</a:t>
             </a:r>
             <a:r>
-              <a:rPr lang="en-US" dirty="0" smtClean="0"/>
+              <a:rPr lang="en-US" dirty="0"/>
               <a:t> vs. </a:t>
             </a:r>
             <a:r>
-              <a:rPr lang="en-US" b="1" dirty="0" err="1" smtClean="0"/>
+              <a:rPr lang="en-US" b="1" dirty="0" err="1"/>
               <a:t>PosReal</a:t>
             </a:r>
             <a:r>
-              <a:rPr lang="en-US" dirty="0" smtClean="0"/>
+              <a:rPr lang="en-US" dirty="0"/>
               <a:t> ?</a:t>
             </a:r>
           </a:p>
           <a:p>
             <a:pPr lvl="1"/>
             <a:r>
-              <a:rPr lang="en-US" dirty="0" smtClean="0"/>
+              <a:rPr lang="en-US" dirty="0"/>
               <a:t>look to the data definition.  If your number represents a quantity that is always non-negative (say, a length or an area), then call it a </a:t>
             </a:r>
             <a:r>
-              <a:rPr lang="en-US" b="1" dirty="0" err="1" smtClean="0"/>
+              <a:rPr lang="en-US" b="1" dirty="0" err="1"/>
               <a:t>NonNegInt</a:t>
             </a:r>
             <a:r>
-              <a:rPr lang="en-US" dirty="0" smtClean="0"/>
+              <a:rPr lang="en-US" dirty="0"/>
               <a:t>.</a:t>
             </a:r>
           </a:p>
           <a:p>
             <a:pPr lvl="1"/>
             <a:r>
-              <a:rPr lang="en-US" dirty="0" smtClean="0"/>
+              <a:rPr lang="en-US" dirty="0"/>
               <a:t>if we're not dealing with physical quantities, then we'll typically use </a:t>
             </a:r>
             <a:r>
-              <a:rPr lang="en-US" b="1" dirty="0" smtClean="0"/>
+              <a:rPr lang="en-US" b="1" dirty="0"/>
               <a:t>Integer</a:t>
             </a:r>
             <a:r>
-              <a:rPr lang="en-US" dirty="0" smtClean="0"/>
+              <a:rPr lang="en-US" dirty="0"/>
               <a:t>.</a:t>
             </a:r>
           </a:p>
           <a:p>
             <a:pPr lvl="1"/>
             <a:r>
-              <a:rPr lang="en-US" i="1" dirty="0" smtClean="0">
+              <a:rPr lang="en-US" i="1" dirty="0">
                 <a:solidFill>
                   <a:srgbClr val="FF0000"/>
                 </a:solidFill>
               </a:rPr>
               <a:t>Your function has to handle any value of the type it says in the contract.</a:t>
             </a:r>
-            <a:endParaRPr lang="en-US" i="1" dirty="0">
-              <a:solidFill>
-                <a:srgbClr val="FF0000"/>
-              </a:solidFill>
-            </a:endParaRPr>
           </a:p>
         </p:txBody>
       </p:sp>
@@ -6007,13 +5909,6 @@
   <p:clrMapOvr>
     <a:masterClrMapping/>
   </p:clrMapOvr>
-  <p:timing>
-    <p:tnLst>
-      <p:par>
-        <p:cTn id="1" dur="indefinite" restart="never" nodeType="tmRoot"/>
-      </p:par>
-    </p:tnLst>
-  </p:timing>
 </p:sld>
 </file>
 
@@ -6050,10 +5945,9 @@
           <a:lstStyle/>
           <a:p>
             <a:r>
-              <a:rPr lang="en-US" dirty="0" smtClean="0"/>
+              <a:rPr lang="en-US" dirty="0"/>
               <a:t>Step 3: Examples and Tests</a:t>
             </a:r>
-            <a:endParaRPr lang="en-US" dirty="0"/>
           </a:p>
         </p:txBody>
       </p:sp>
@@ -6073,7 +5967,7 @@
           <a:lstStyle/>
           <a:p>
             <a:r>
-              <a:rPr lang="en-US" dirty="0" smtClean="0">
+              <a:rPr lang="en-US" dirty="0">
                 <a:cs typeface="Courier New" pitchFamily="49" charset="0"/>
               </a:rPr>
               <a:t>Examples show sample arguments and results, to make clear what is intended.</a:t>
@@ -6081,7 +5975,7 @@
           </a:p>
           <a:p>
             <a:r>
-              <a:rPr lang="en-US" dirty="0" smtClean="0">
+              <a:rPr lang="en-US" dirty="0">
                 <a:cs typeface="Courier New" pitchFamily="49" charset="0"/>
               </a:rPr>
               <a:t>This may include showing how the function should be called.</a:t>
@@ -6089,7 +5983,7 @@
           </a:p>
           <a:p>
             <a:r>
-              <a:rPr lang="en-US" dirty="0" smtClean="0">
+              <a:rPr lang="en-US" dirty="0">
                 <a:cs typeface="Courier New" pitchFamily="49" charset="0"/>
               </a:rPr>
               <a:t>It should also illustrate the different behaviors of the function.</a:t>
@@ -6097,7 +5991,7 @@
           </a:p>
           <a:p>
             <a:r>
-              <a:rPr lang="en-US" dirty="0" smtClean="0">
+              <a:rPr lang="en-US" dirty="0">
                 <a:cs typeface="Courier New" pitchFamily="49" charset="0"/>
               </a:rPr>
               <a:t>How many examples, and what kind, will depend a lot on the function</a:t>
@@ -6110,12 +6004,12 @@
             <a:endParaRPr lang="en-US" dirty="0"/>
           </a:p>
           <a:p>
-            <a:endParaRPr lang="en-US" dirty="0" smtClean="0">
+            <a:endParaRPr lang="en-US" dirty="0">
               <a:cs typeface="Courier New" pitchFamily="49" charset="0"/>
             </a:endParaRPr>
           </a:p>
           <a:p>
-            <a:endParaRPr lang="en-US" dirty="0" smtClean="0">
+            <a:endParaRPr lang="en-US" dirty="0">
               <a:cs typeface="Courier New" pitchFamily="49" charset="0"/>
             </a:endParaRPr>
           </a:p>
@@ -6123,7 +6017,7 @@
             <a:pPr marL="0" indent="0">
               <a:buNone/>
             </a:pPr>
-            <a:endParaRPr lang="en-US" dirty="0" smtClean="0">
+            <a:endParaRPr lang="en-US" dirty="0">
               <a:latin typeface="Courier New" pitchFamily="49" charset="0"/>
               <a:cs typeface="Courier New" pitchFamily="49" charset="0"/>
             </a:endParaRPr>
@@ -6132,7 +6026,7 @@
             <a:pPr marL="0" indent="0">
               <a:buNone/>
             </a:pPr>
-            <a:endParaRPr lang="en-US" dirty="0" smtClean="0">
+            <a:endParaRPr lang="en-US" dirty="0">
               <a:latin typeface="Courier New" pitchFamily="49" charset="0"/>
               <a:cs typeface="Courier New" pitchFamily="49" charset="0"/>
             </a:endParaRPr>
@@ -6149,13 +6043,6 @@
   <p:clrMapOvr>
     <a:masterClrMapping/>
   </p:clrMapOvr>
-  <p:timing>
-    <p:tnLst>
-      <p:par>
-        <p:cTn id="1" dur="indefinite" restart="never" nodeType="tmRoot"/>
-      </p:par>
-    </p:tnLst>
-  </p:timing>
 </p:sld>
 </file>
 
@@ -6192,10 +6079,9 @@
           <a:lstStyle/>
           <a:p>
             <a:r>
-              <a:rPr lang="en-US" dirty="0" smtClean="0"/>
+              <a:rPr lang="en-US" dirty="0"/>
               <a:t>Examples of Examples (1)</a:t>
             </a:r>
-            <a:endParaRPr lang="en-US" dirty="0"/>
           </a:p>
         </p:txBody>
       </p:sp>
@@ -6215,24 +6101,24 @@
           <a:lstStyle/>
           <a:p>
             <a:r>
-              <a:rPr lang="en-US" dirty="0" smtClean="0"/>
+              <a:rPr lang="en-US" dirty="0"/>
               <a:t>If the function is a linear function of a single input, two examples are sufficient to uniquely determine the function.</a:t>
             </a:r>
           </a:p>
           <a:p>
             <a:r>
-              <a:rPr lang="en-US" dirty="0" smtClean="0"/>
+              <a:rPr lang="en-US" dirty="0"/>
               <a:t>We saw this for </a:t>
             </a:r>
             <a:r>
-              <a:rPr lang="en-US" b="1" dirty="0" smtClean="0">
+              <a:rPr lang="en-US" b="1" dirty="0">
                 <a:latin typeface="Consolas" pitchFamily="49" charset="0"/>
                 <a:cs typeface="Consolas" pitchFamily="49" charset="0"/>
               </a:rPr>
               <a:t>f2c</a:t>
             </a:r>
             <a:r>
-              <a:rPr lang="en-US" dirty="0" smtClean="0"/>
+              <a:rPr lang="en-US" dirty="0"/>
               <a:t> :</a:t>
             </a:r>
           </a:p>
@@ -6245,14 +6131,7 @@
                 <a:latin typeface="Consolas" pitchFamily="49" charset="0"/>
                 <a:cs typeface="Consolas" pitchFamily="49" charset="0"/>
               </a:rPr>
-              <a:t>	</a:t>
-            </a:r>
-            <a:r>
-              <a:rPr lang="en-US" b="1" dirty="0" smtClean="0">
-                <a:latin typeface="Consolas" pitchFamily="49" charset="0"/>
-                <a:cs typeface="Consolas" pitchFamily="49" charset="0"/>
-              </a:rPr>
-              <a:t>;; (f2c 32) = 0</a:t>
+              <a:t>	;; (f2c 32) = 0</a:t>
             </a:r>
           </a:p>
           <a:p>
@@ -6264,19 +6143,8 @@
                 <a:latin typeface="Consolas" pitchFamily="49" charset="0"/>
                 <a:cs typeface="Consolas" pitchFamily="49" charset="0"/>
               </a:rPr>
-              <a:t> </a:t>
-            </a:r>
-            <a:r>
-              <a:rPr lang="en-US" b="1" dirty="0" smtClean="0">
-                <a:latin typeface="Consolas" pitchFamily="49" charset="0"/>
-                <a:cs typeface="Consolas" pitchFamily="49" charset="0"/>
-              </a:rPr>
-              <a:t>   ;; (f2c 212) = 100</a:t>
-            </a:r>
-            <a:endParaRPr lang="en-US" b="1" dirty="0">
-              <a:latin typeface="Consolas" pitchFamily="49" charset="0"/>
-              <a:cs typeface="Consolas" pitchFamily="49" charset="0"/>
-            </a:endParaRPr>
+              <a:t>    ;; (f2c 212) = 100</a:t>
+            </a:r>
           </a:p>
         </p:txBody>
       </p:sp>
@@ -6314,13 +6182,6 @@
   <p:clrMapOvr>
     <a:masterClrMapping/>
   </p:clrMapOvr>
-  <p:timing>
-    <p:tnLst>
-      <p:par>
-        <p:cTn id="1" dur="indefinite" restart="never" nodeType="tmRoot"/>
-      </p:par>
-    </p:tnLst>
-  </p:timing>
 </p:sld>
 </file>
 
@@ -6357,10 +6218,9 @@
           <a:lstStyle/>
           <a:p>
             <a:r>
-              <a:rPr lang="en-US" dirty="0" smtClean="0"/>
+              <a:rPr lang="en-US" dirty="0"/>
               <a:t>Examples of Examples (2)</a:t>
             </a:r>
-            <a:endParaRPr lang="en-US" dirty="0"/>
           </a:p>
         </p:txBody>
       </p:sp>
@@ -6382,37 +6242,13 @@
           <a:lstStyle/>
           <a:p>
             <a:r>
-              <a:rPr lang="en-US" dirty="0" smtClean="0"/>
-              <a:t>If </a:t>
-            </a:r>
-            <a:r>
               <a:rPr lang="en-US" dirty="0"/>
-              <a:t>the function takes an argument that is </a:t>
-            </a:r>
-            <a:r>
-              <a:rPr lang="en-US" dirty="0" smtClean="0"/>
-              <a:t>itemization or mixed </a:t>
-            </a:r>
+              <a:t>If the function takes an argument that is itemization or mixed data, then choose examples from each subclass of the itemization.</a:t>
+            </a:r>
+          </a:p>
+          <a:p>
             <a:r>
               <a:rPr lang="en-US" dirty="0"/>
-              <a:t>data, </a:t>
-            </a:r>
-            <a:r>
-              <a:rPr lang="en-US" dirty="0" smtClean="0"/>
-              <a:t>then choose </a:t>
-            </a:r>
-            <a:r>
-              <a:rPr lang="en-US" dirty="0"/>
-              <a:t>examples from each subclass of the itemization</a:t>
-            </a:r>
-            <a:r>
-              <a:rPr lang="en-US" dirty="0" smtClean="0"/>
-              <a:t>.</a:t>
-            </a:r>
-          </a:p>
-          <a:p>
-            <a:r>
-              <a:rPr lang="en-US" dirty="0" smtClean="0"/>
               <a:t>Example:</a:t>
             </a:r>
           </a:p>
@@ -6420,19 +6256,12 @@
             <a:pPr marL="0" indent="0">
               <a:buNone/>
             </a:pPr>
-            <a:r>
-              <a:rPr lang="en-US" b="1" dirty="0" smtClean="0">
-                <a:latin typeface="Consolas" pitchFamily="49" charset="0"/>
-                <a:cs typeface="Consolas" pitchFamily="49" charset="0"/>
-              </a:rPr>
-              <a:t>;; </a:t>
-            </a:r>
             <a:r>
               <a:rPr lang="en-US" b="1" dirty="0">
                 <a:latin typeface="Consolas" pitchFamily="49" charset="0"/>
                 <a:cs typeface="Consolas" pitchFamily="49" charset="0"/>
               </a:rPr>
-              <a:t>(next-state "red") = "green"</a:t>
+              <a:t>;; (next-state "red") = "green"</a:t>
             </a:r>
           </a:p>
           <a:p>
@@ -6461,28 +6290,24 @@
           </a:p>
           <a:p>
             <a:r>
-              <a:rPr lang="en-US" dirty="0" smtClean="0">
+              <a:rPr lang="en-US" dirty="0">
                 <a:cs typeface="Consolas" pitchFamily="49" charset="0"/>
               </a:rPr>
               <a:t>If your function uses “cases” to divide a scalar data(*) type into classes, choose examples from each class.</a:t>
             </a:r>
-            <a:endParaRPr lang="en-US" dirty="0">
-              <a:cs typeface="Consolas" pitchFamily="49" charset="0"/>
-            </a:endParaRPr>
           </a:p>
           <a:p>
             <a:pPr marL="0" indent="0">
               <a:buNone/>
             </a:pPr>
             <a:r>
-              <a:rPr lang="en-US" dirty="0" smtClean="0"/>
+              <a:rPr lang="en-US" dirty="0"/>
               <a:t> 	</a:t>
             </a:r>
             <a:r>
-              <a:rPr lang="en-US" sz="2100" dirty="0" smtClean="0"/>
+              <a:rPr lang="en-US" sz="2100" dirty="0"/>
               <a:t>(*) we’ll cover “cases” in a later lesson.</a:t>
             </a:r>
-            <a:endParaRPr lang="en-US" sz="2100" dirty="0"/>
           </a:p>
         </p:txBody>
       </p:sp>
@@ -6496,13 +6321,6 @@
   <p:clrMapOvr>
     <a:masterClrMapping/>
   </p:clrMapOvr>
-  <p:timing>
-    <p:tnLst>
-      <p:par>
-        <p:cTn id="1" dur="indefinite" restart="never" nodeType="tmRoot"/>
-      </p:par>
-    </p:tnLst>
-  </p:timing>
 </p:sld>
 </file>
 
@@ -6539,10 +6357,9 @@
           <a:lstStyle/>
           <a:p>
             <a:r>
-              <a:rPr lang="en-US" dirty="0" smtClean="0"/>
+              <a:rPr lang="en-US" dirty="0"/>
               <a:t>Examples of Examples (3)</a:t>
             </a:r>
-            <a:endParaRPr lang="en-US" dirty="0"/>
           </a:p>
         </p:txBody>
       </p:sp>
@@ -6564,13 +6381,13 @@
           <a:lstStyle/>
           <a:p>
             <a:r>
-              <a:rPr lang="en-US" dirty="0" smtClean="0"/>
+              <a:rPr lang="en-US" dirty="0"/>
               <a:t>Avoid coincidences in your examples.</a:t>
             </a:r>
           </a:p>
           <a:p>
             <a:r>
-              <a:rPr lang="en-US" dirty="0" smtClean="0"/>
+              <a:rPr lang="en-US" dirty="0"/>
               <a:t>This example is coincidental:</a:t>
             </a:r>
           </a:p>
@@ -6578,52 +6395,52 @@
             <a:pPr marL="0" indent="0">
               <a:buNone/>
             </a:pPr>
-            <a:r>
-              <a:rPr lang="en-US" sz="2000" b="1" dirty="0" smtClean="0">
-                <a:latin typeface="Consolas" pitchFamily="49" charset="0"/>
-                <a:cs typeface="Consolas" pitchFamily="49" charset="0"/>
-              </a:rPr>
-              <a:t>	(</a:t>
-            </a:r>
             <a:r>
               <a:rPr lang="en-US" sz="2000" b="1" dirty="0">
                 <a:latin typeface="Consolas" pitchFamily="49" charset="0"/>
                 <a:cs typeface="Consolas" pitchFamily="49" charset="0"/>
               </a:rPr>
-              <a:t>book-profit-margin </a:t>
+              <a:t>	(book-profit-margin </a:t>
             </a:r>
           </a:p>
           <a:p>
             <a:pPr marL="0" indent="0">
               <a:buNone/>
             </a:pPr>
-            <a:r>
-              <a:rPr lang="en-US" sz="2000" b="1" dirty="0" smtClean="0">
-                <a:latin typeface="Consolas" pitchFamily="49" charset="0"/>
-                <a:cs typeface="Consolas" pitchFamily="49" charset="0"/>
-              </a:rPr>
-              <a:t> 	 (</a:t>
-            </a:r>
             <a:r>
               <a:rPr lang="en-US" sz="2000" b="1" dirty="0">
                 <a:latin typeface="Consolas" pitchFamily="49" charset="0"/>
                 <a:cs typeface="Consolas" pitchFamily="49" charset="0"/>
               </a:rPr>
-              <a:t>make-book "Little Lisper" "Friedman" 2.00 </a:t>
-            </a:r>
-            <a:r>
-              <a:rPr lang="en-US" sz="2000" b="1" dirty="0" smtClean="0">
-                <a:latin typeface="Consolas" pitchFamily="49" charset="0"/>
-                <a:cs typeface="Consolas" pitchFamily="49" charset="0"/>
-              </a:rPr>
-              <a:t>4.00</a:t>
-            </a:r>
+              <a:t> 	 (make-book "Little Lisper" "Friedman" 2.00 4.00)) </a:t>
+            </a:r>
+          </a:p>
+          <a:p>
+            <a:pPr marL="0" indent="0">
+              <a:buNone/>
+            </a:pPr>
             <a:r>
               <a:rPr lang="en-US" sz="2000" b="1" dirty="0">
                 <a:latin typeface="Consolas" pitchFamily="49" charset="0"/>
                 <a:cs typeface="Consolas" pitchFamily="49" charset="0"/>
               </a:rPr>
-              <a:t>)) </a:t>
+              <a:t>	= 2.00</a:t>
+            </a:r>
+          </a:p>
+          <a:p>
+            <a:pPr lvl="1"/>
+            <a:r>
+              <a:rPr lang="en-US" dirty="0"/>
+              <a:t>Is the answer 2 because we subtracted 2 from 4, or because it is the third field in the book? </a:t>
+            </a:r>
+            <a:endParaRPr lang="en-US" dirty="0">
+              <a:cs typeface="Consolas" pitchFamily="49" charset="0"/>
+            </a:endParaRPr>
+          </a:p>
+          <a:p>
+            <a:r>
+              <a:rPr lang="en-US" dirty="0"/>
+              <a:t>This example is not coincidental:</a:t>
             </a:r>
           </a:p>
           <a:p>
@@ -6631,145 +6448,43 @@
               <a:buNone/>
             </a:pPr>
             <a:r>
-              <a:rPr lang="en-US" sz="2000" b="1" dirty="0" smtClean="0">
-                <a:latin typeface="Consolas" pitchFamily="49" charset="0"/>
-                <a:cs typeface="Consolas" pitchFamily="49" charset="0"/>
-              </a:rPr>
-              <a:t>	= 2.00</a:t>
-            </a:r>
-          </a:p>
-          <a:p>
-            <a:pPr lvl="1"/>
-            <a:r>
-              <a:rPr lang="en-US" dirty="0" smtClean="0"/>
-              <a:t>Is </a:t>
-            </a:r>
-            <a:r>
-              <a:rPr lang="en-US" dirty="0"/>
-              <a:t>the answer </a:t>
-            </a:r>
-            <a:r>
-              <a:rPr lang="en-US" dirty="0" smtClean="0"/>
-              <a:t>2 </a:t>
-            </a:r>
-            <a:r>
-              <a:rPr lang="en-US" dirty="0"/>
-              <a:t>because we subtracted </a:t>
-            </a:r>
-            <a:r>
-              <a:rPr lang="en-US" dirty="0" smtClean="0"/>
-              <a:t>2 </a:t>
-            </a:r>
-            <a:r>
-              <a:rPr lang="en-US" dirty="0"/>
-              <a:t>from </a:t>
-            </a:r>
-            <a:r>
-              <a:rPr lang="en-US" dirty="0" smtClean="0"/>
-              <a:t>4, </a:t>
-            </a:r>
-            <a:r>
-              <a:rPr lang="en-US" dirty="0"/>
-              <a:t>or because it is the third field in the book? </a:t>
-            </a:r>
-            <a:endParaRPr lang="en-US" dirty="0">
-              <a:cs typeface="Consolas" pitchFamily="49" charset="0"/>
-            </a:endParaRPr>
-          </a:p>
-          <a:p>
-            <a:r>
-              <a:rPr lang="en-US" dirty="0" smtClean="0"/>
-              <a:t>This example is not coincidental:</a:t>
-            </a:r>
-          </a:p>
-          <a:p>
-            <a:pPr marL="0" indent="0">
-              <a:buNone/>
-            </a:pPr>
-            <a:r>
-              <a:rPr lang="en-US" sz="2200" b="1" dirty="0" smtClean="0">
+              <a:rPr lang="en-US" sz="2200" b="1" dirty="0">
                 <a:latin typeface="Consolas" pitchFamily="49" charset="0"/>
                 <a:cs typeface="Consolas" pitchFamily="49" charset="0"/>
               </a:rPr>
               <a:t>	</a:t>
             </a:r>
             <a:r>
-              <a:rPr lang="en-US" sz="2000" b="1" dirty="0" smtClean="0">
-                <a:latin typeface="Consolas" pitchFamily="49" charset="0"/>
-                <a:cs typeface="Consolas" pitchFamily="49" charset="0"/>
-              </a:rPr>
-              <a:t>(</a:t>
-            </a:r>
-            <a:r>
               <a:rPr lang="en-US" sz="2000" b="1" dirty="0">
                 <a:latin typeface="Consolas" pitchFamily="49" charset="0"/>
                 <a:cs typeface="Consolas" pitchFamily="49" charset="0"/>
               </a:rPr>
-              <a:t>book-profit-margin </a:t>
+              <a:t>(book-profit-margin </a:t>
             </a:r>
           </a:p>
           <a:p>
             <a:pPr marL="0" indent="0">
               <a:buNone/>
             </a:pPr>
-            <a:r>
-              <a:rPr lang="en-US" sz="2000" b="1" dirty="0" smtClean="0">
-                <a:latin typeface="Consolas" pitchFamily="49" charset="0"/>
-                <a:cs typeface="Consolas" pitchFamily="49" charset="0"/>
-              </a:rPr>
-              <a:t>	 (</a:t>
-            </a:r>
             <a:r>
               <a:rPr lang="en-US" sz="2000" b="1" dirty="0">
                 <a:latin typeface="Consolas" pitchFamily="49" charset="0"/>
                 <a:cs typeface="Consolas" pitchFamily="49" charset="0"/>
               </a:rPr>
-              <a:t>make-book "Little Lisper" "Friedman" </a:t>
-            </a:r>
-            <a:r>
-              <a:rPr lang="en-US" sz="2000" b="1" dirty="0" smtClean="0">
-                <a:latin typeface="Consolas" pitchFamily="49" charset="0"/>
-                <a:cs typeface="Consolas" pitchFamily="49" charset="0"/>
-              </a:rPr>
-              <a:t>2.00</a:t>
-            </a:r>
+              <a:t>	 (make-book "Little Lisper" "Friedman" 2.00 5.00)) </a:t>
+            </a:r>
+          </a:p>
+          <a:p>
+            <a:pPr marL="0" indent="0">
+              <a:buNone/>
+            </a:pPr>
             <a:r>
               <a:rPr lang="en-US" sz="2000" b="1" dirty="0">
                 <a:latin typeface="Consolas" pitchFamily="49" charset="0"/>
                 <a:cs typeface="Consolas" pitchFamily="49" charset="0"/>
               </a:rPr>
-              <a:t> </a:t>
-            </a:r>
-            <a:r>
-              <a:rPr lang="en-US" sz="2000" b="1" dirty="0" smtClean="0">
-                <a:latin typeface="Consolas" pitchFamily="49" charset="0"/>
-                <a:cs typeface="Consolas" pitchFamily="49" charset="0"/>
-              </a:rPr>
-              <a:t>5.00</a:t>
-            </a:r>
-            <a:r>
-              <a:rPr lang="en-US" sz="2000" b="1" dirty="0">
-                <a:latin typeface="Consolas" pitchFamily="49" charset="0"/>
-                <a:cs typeface="Consolas" pitchFamily="49" charset="0"/>
-              </a:rPr>
-              <a:t>)) </a:t>
-            </a:r>
-          </a:p>
-          <a:p>
-            <a:pPr marL="0" indent="0">
-              <a:buNone/>
-            </a:pPr>
-            <a:r>
-              <a:rPr lang="en-US" sz="2000" b="1" dirty="0" smtClean="0">
-                <a:latin typeface="Consolas" pitchFamily="49" charset="0"/>
-                <a:cs typeface="Consolas" pitchFamily="49" charset="0"/>
-              </a:rPr>
               <a:t>	= 3.00</a:t>
             </a:r>
-            <a:endParaRPr lang="en-US" sz="2000" b="1" dirty="0">
-              <a:latin typeface="Consolas" pitchFamily="49" charset="0"/>
-              <a:cs typeface="Consolas" pitchFamily="49" charset="0"/>
-            </a:endParaRPr>
           </a:p>
           <a:p>
             <a:pPr lvl="1"/>
@@ -6794,13 +6509,6 @@
   <p:clrMapOvr>
     <a:masterClrMapping/>
   </p:clrMapOvr>
-  <p:timing>
-    <p:tnLst>
-      <p:par>
-        <p:cTn id="1" dur="indefinite" restart="never" nodeType="tmRoot"/>
-      </p:par>
-    </p:tnLst>
-  </p:timing>
 </p:sld>
 </file>
 
@@ -6837,10 +6545,9 @@
           <a:lstStyle/>
           <a:p>
             <a:r>
-              <a:rPr lang="en-US" dirty="0" smtClean="0"/>
+              <a:rPr lang="en-US" dirty="0"/>
               <a:t>Make your examples readable</a:t>
             </a:r>
-            <a:endParaRPr lang="en-US" dirty="0"/>
           </a:p>
         </p:txBody>
       </p:sp>
@@ -6862,12 +6569,8 @@
           <a:lstStyle/>
           <a:p>
             <a:r>
-              <a:rPr lang="en-US" dirty="0" smtClean="0"/>
-              <a:t>;;; Here’s an example: </a:t>
-            </a:r>
-            <a:r>
               <a:rPr lang="en-US" dirty="0"/>
-              <a:t>a rocket simulation.  </a:t>
+              <a:t>;;; Here’s an example: a rocket simulation.  </a:t>
             </a:r>
           </a:p>
           <a:p>
@@ -6882,45 +6585,13 @@
           <a:p>
             <a:r>
               <a:rPr lang="en-US" dirty="0"/>
-              <a:t>;; We </a:t>
-            </a:r>
-            <a:r>
-              <a:rPr lang="en-US" dirty="0" smtClean="0"/>
-              <a:t>are simulating </a:t>
-            </a:r>
+              <a:t>;; We are simulating a rocket, which is at some altitude</a:t>
+            </a:r>
+          </a:p>
+          <a:p>
             <a:r>
               <a:rPr lang="en-US" dirty="0"/>
-              <a:t>a </a:t>
-            </a:r>
-            <a:r>
-              <a:rPr lang="en-US" dirty="0" smtClean="0"/>
-              <a:t>rocket</a:t>
-            </a:r>
-            <a:r>
-              <a:rPr lang="en-US" dirty="0"/>
-              <a:t>, which is at some </a:t>
-            </a:r>
-            <a:r>
-              <a:rPr lang="en-US" dirty="0" smtClean="0"/>
-              <a:t>altitude</a:t>
-            </a:r>
-          </a:p>
-          <a:p>
-            <a:r>
-              <a:rPr lang="en-US" dirty="0" smtClean="0"/>
-              <a:t>;; </a:t>
-            </a:r>
-            <a:r>
-              <a:rPr lang="en-US" dirty="0"/>
-              <a:t>and </a:t>
-            </a:r>
-            <a:r>
-              <a:rPr lang="en-US" dirty="0" smtClean="0"/>
-              <a:t>is travelling </a:t>
-            </a:r>
-            <a:r>
-              <a:rPr lang="en-US" dirty="0"/>
-              <a:t>vertically at some velocity.</a:t>
+              <a:t>;; and is travelling vertically at some velocity.</a:t>
             </a:r>
           </a:p>
           <a:p>
@@ -6964,16 +6635,11 @@
               <a:rPr lang="en-US" dirty="0"/>
               <a:t>;; velocity   is the rocket's velocity, </a:t>
             </a:r>
-            <a:endParaRPr lang="en-US" dirty="0" smtClean="0"/>
-          </a:p>
-          <a:p>
-            <a:r>
-              <a:rPr lang="en-US" dirty="0" smtClean="0"/>
-              <a:t>;;               in </a:t>
-            </a:r>
+          </a:p>
+          <a:p>
             <a:r>
               <a:rPr lang="en-US" dirty="0"/>
-              <a:t>meters/sec upward</a:t>
+              <a:t>;;               in meters/sec upward</a:t>
             </a:r>
           </a:p>
         </p:txBody>
@@ -7012,13 +6678,6 @@
   <p:clrMapOvr>
     <a:masterClrMapping/>
   </p:clrMapOvr>
-  <p:timing>
-    <p:tnLst>
-      <p:par>
-        <p:cTn id="1" dur="indefinite" restart="never" nodeType="tmRoot"/>
-      </p:par>
-    </p:tnLst>
-  </p:timing>
 </p:sld>
 </file>
 
@@ -7055,10 +6714,9 @@
           <a:lstStyle/>
           <a:p>
             <a:r>
-              <a:rPr lang="en-US" dirty="0" smtClean="0"/>
+              <a:rPr lang="en-US" dirty="0"/>
               <a:t>Not-so-readable examples</a:t>
             </a:r>
-            <a:endParaRPr lang="en-US" dirty="0"/>
           </a:p>
         </p:txBody>
       </p:sp>
@@ -7097,16 +6755,11 @@
               <a:rPr lang="en-US" sz="2000" dirty="0"/>
               <a:t> (make-rocket 100 30) 0) </a:t>
             </a:r>
-            <a:endParaRPr lang="en-US" sz="2000" dirty="0" smtClean="0"/>
-          </a:p>
-          <a:p>
-            <a:r>
-              <a:rPr lang="en-US" sz="2000" dirty="0" smtClean="0"/>
-              <a:t>;;  = </a:t>
-            </a:r>
+          </a:p>
+          <a:p>
             <a:r>
               <a:rPr lang="en-US" sz="2000" dirty="0"/>
-              <a:t>(make-rocket 100 30)</a:t>
+              <a:t>;;  = (make-rocket 100 30)</a:t>
             </a:r>
           </a:p>
           <a:p>
@@ -7122,20 +6775,11 @@
               <a:rPr lang="en-US" sz="2000" dirty="0"/>
               <a:t> (make-rocket 100 30) 2) </a:t>
             </a:r>
-            <a:endParaRPr lang="en-US" sz="2000" dirty="0" smtClean="0"/>
-          </a:p>
-          <a:p>
-            <a:r>
-              <a:rPr lang="en-US" sz="2000" dirty="0" smtClean="0"/>
-              <a:t>;;  = </a:t>
-            </a:r>
+          </a:p>
+          <a:p>
             <a:r>
               <a:rPr lang="en-US" sz="2000" dirty="0"/>
-              <a:t>(make-rocket 160 30</a:t>
-            </a:r>
-            <a:r>
-              <a:rPr lang="en-US" sz="2000" dirty="0" smtClean="0"/>
-              <a:t>)</a:t>
+              <a:t>;;  = (make-rocket 160 30)</a:t>
             </a:r>
           </a:p>
           <a:p>
@@ -7147,7 +6791,7 @@
               <a:buChar char="•"/>
             </a:pPr>
             <a:r>
-              <a:rPr lang="en-US" sz="2800" b="0" dirty="0" smtClean="0">
+              <a:rPr lang="en-US" sz="2800" b="0" dirty="0">
                 <a:latin typeface="+mn-lt"/>
               </a:rPr>
               <a:t>What do these examples illustrate?  Where did those values come from?</a:t>
@@ -7159,7 +6803,7 @@
               <a:buChar char="•"/>
             </a:pPr>
             <a:r>
-              <a:rPr lang="en-US" sz="2800" b="0" dirty="0" smtClean="0">
+              <a:rPr lang="en-US" sz="2800" b="0" dirty="0">
                 <a:latin typeface="+mn-lt"/>
               </a:rPr>
               <a:t>These are very simple structures, but for more complicated structures you’d have a hard time telling.</a:t>
@@ -7168,7 +6812,7 @@
           <a:p>
             <a:pPr marL="1085850" lvl="1" indent="-342900"/>
             <a:r>
-              <a:rPr lang="en-US" sz="2400" dirty="0" smtClean="0"/>
+              <a:rPr lang="en-US" sz="2400" dirty="0"/>
               <a:t>and so would your grader, or boss!</a:t>
             </a:r>
           </a:p>
@@ -7178,7 +6822,7 @@
               <a:buChar char="•"/>
             </a:pPr>
             <a:r>
-              <a:rPr lang="en-US" sz="2800" b="0" dirty="0" smtClean="0">
+              <a:rPr lang="en-US" sz="2800" b="0" dirty="0">
                 <a:latin typeface="+mj-lt"/>
               </a:rPr>
               <a:t>And if you change the representation of rockets, you’ll have to change all your examples, too!</a:t>
@@ -7186,7 +6830,7 @@
           </a:p>
           <a:p>
             <a:pPr marL="342900" indent="-342900"/>
-            <a:endParaRPr lang="en-US" b="0" dirty="0" smtClean="0">
+            <a:endParaRPr lang="en-US" b="0" dirty="0">
               <a:latin typeface="+mn-lt"/>
             </a:endParaRPr>
           </a:p>
@@ -7195,7 +6839,7 @@
               <a:buFont typeface="Arial" pitchFamily="34" charset="0"/>
               <a:buChar char="•"/>
             </a:pPr>
-            <a:endParaRPr lang="en-US" sz="2400" b="0" dirty="0" smtClean="0">
+            <a:endParaRPr lang="en-US" sz="2400" b="0" dirty="0">
               <a:latin typeface="+mn-lt"/>
             </a:endParaRPr>
           </a:p>
@@ -7244,13 +6888,6 @@
   <p:clrMapOvr>
     <a:masterClrMapping/>
   </p:clrMapOvr>
-  <p:timing>
-    <p:tnLst>
-      <p:par>
-        <p:cTn id="1" dur="indefinite" restart="never" nodeType="tmRoot"/>
-      </p:par>
-    </p:tnLst>
-  </p:timing>
 </p:sld>
 </file>
 
@@ -7287,10 +6924,9 @@
           <a:lstStyle/>
           <a:p>
             <a:r>
-              <a:rPr lang="en-US" dirty="0" smtClean="0"/>
+              <a:rPr lang="en-US" dirty="0"/>
               <a:t>Better Examples</a:t>
             </a:r>
-            <a:endParaRPr lang="en-US" dirty="0"/>
           </a:p>
         </p:txBody>
       </p:sp>
@@ -7312,12 +6948,8 @@
           <a:lstStyle/>
           <a:p>
             <a:r>
-              <a:rPr lang="en-US" sz="2000" dirty="0" smtClean="0"/>
-              <a:t>(</a:t>
-            </a:r>
-            <a:r>
               <a:rPr lang="en-US" sz="2000" dirty="0"/>
-              <a:t>define rocket-at-100 (make-rocket 100 30))</a:t>
+              <a:t>(define rocket-at-100 (make-rocket 100 30))</a:t>
             </a:r>
           </a:p>
           <a:p>
@@ -7331,12 +6963,8 @@
           </a:p>
           <a:p>
             <a:r>
-              <a:rPr lang="en-US" sz="2000" dirty="0" smtClean="0"/>
-              <a:t>;; (</a:t>
-            </a:r>
-            <a:r>
               <a:rPr lang="en-US" sz="2000" dirty="0"/>
-              <a:t>rocket-after-</a:t>
+              <a:t>;; (rocket-after-</a:t>
             </a:r>
             <a:r>
               <a:rPr lang="en-US" sz="2000" dirty="0" err="1"/>
@@ -7349,12 +6977,8 @@
           </a:p>
           <a:p>
             <a:r>
-              <a:rPr lang="en-US" sz="2000" dirty="0" smtClean="0"/>
-              <a:t>;; (</a:t>
-            </a:r>
-            <a:r>
               <a:rPr lang="en-US" sz="2000" dirty="0"/>
-              <a:t>rocket-after-</a:t>
+              <a:t>;; (rocket-after-</a:t>
             </a:r>
             <a:r>
               <a:rPr lang="en-US" sz="2000" dirty="0" err="1"/>
@@ -7362,11 +6986,7 @@
             </a:r>
             <a:r>
               <a:rPr lang="en-US" sz="2000" dirty="0"/>
-              <a:t> rocket-at-100 2) = </a:t>
-            </a:r>
-            <a:r>
-              <a:rPr lang="en-US" sz="2000" dirty="0" smtClean="0"/>
-              <a:t>rocket-at-160</a:t>
+              <a:t> rocket-at-100 2) = rocket-at-160</a:t>
             </a:r>
           </a:p>
           <a:p>
@@ -7378,7 +6998,7 @@
               <a:buChar char="•"/>
             </a:pPr>
             <a:r>
-              <a:rPr lang="en-US" sz="2800" b="0" dirty="0" smtClean="0">
+              <a:rPr lang="en-US" sz="2800" b="0" dirty="0">
                 <a:latin typeface="+mj-lt"/>
               </a:rPr>
               <a:t>Here we’ve introduced mnemonic names for each of the example values. These could serve as examples for the data definitions, too.</a:t>
@@ -7402,7 +7022,7 @@
               <a:buChar char="•"/>
             </a:pPr>
             <a:r>
-              <a:rPr lang="en-US" sz="2800" b="0" dirty="0" smtClean="0">
+              <a:rPr lang="en-US" sz="2800" b="0" dirty="0">
                 <a:latin typeface="+mj-lt"/>
               </a:rPr>
               <a:t>The example is in terms of information, not data.</a:t>
@@ -7414,14 +7034,11 @@
               <a:buChar char="•"/>
             </a:pPr>
             <a:r>
-              <a:rPr lang="en-US" sz="2800" b="0" dirty="0" smtClean="0">
+              <a:rPr lang="en-US" sz="2800" b="0" dirty="0">
                 <a:latin typeface="+mj-lt"/>
               </a:rPr>
               <a:t>If you decide later to change the representation, you can still use the examples.</a:t>
             </a:r>
-            <a:endParaRPr lang="en-US" sz="2800" b="0" dirty="0">
-              <a:latin typeface="+mj-lt"/>
-            </a:endParaRPr>
           </a:p>
         </p:txBody>
       </p:sp>
@@ -7459,13 +7076,6 @@
   <p:clrMapOvr>
     <a:masterClrMapping/>
   </p:clrMapOvr>
-  <p:timing>
-    <p:tnLst>
-      <p:par>
-        <p:cTn id="1" dur="indefinite" restart="never" nodeType="tmRoot"/>
-      </p:par>
-    </p:tnLst>
-  </p:timing>
 </p:sld>
 </file>
 
@@ -7504,10 +7114,9 @@
           <a:lstStyle/>
           <a:p>
             <a:r>
-              <a:rPr lang="en-US" dirty="0" smtClean="0"/>
+              <a:rPr lang="en-US" dirty="0"/>
               <a:t>Objectives</a:t>
             </a:r>
-            <a:endParaRPr lang="en-US" dirty="0"/>
           </a:p>
         </p:txBody>
       </p:sp>
@@ -7539,53 +7148,23 @@
           <a:p>
             <a:pPr lvl="0"/>
             <a:r>
-              <a:rPr lang="en-US" dirty="0" smtClean="0"/>
-              <a:t>Write </a:t>
-            </a:r>
-            <a:r>
               <a:rPr lang="en-US" dirty="0"/>
-              <a:t>a </a:t>
-            </a:r>
-            <a:r>
-              <a:rPr lang="en-US" dirty="0" smtClean="0"/>
-              <a:t>contract and purpose statements for simple functions.</a:t>
+              <a:t>Write a contract and purpose statements for simple functions.</a:t>
             </a:r>
           </a:p>
           <a:p>
             <a:pPr lvl="0"/>
             <a:r>
-              <a:rPr lang="en-US" dirty="0" smtClean="0"/>
-              <a:t>Provide examples </a:t>
-            </a:r>
-            <a:r>
               <a:rPr lang="en-US" dirty="0"/>
-              <a:t>showing sample arguments and </a:t>
-            </a:r>
-            <a:r>
-              <a:rPr lang="en-US" dirty="0" smtClean="0"/>
-              <a:t> intended results.</a:t>
-            </a:r>
-            <a:endParaRPr lang="en-US" dirty="0"/>
+              <a:t>Provide examples showing sample arguments and  intended results.</a:t>
+            </a:r>
           </a:p>
           <a:p>
             <a:pPr lvl="0"/>
             <a:r>
               <a:rPr lang="en-US" dirty="0"/>
-              <a:t>W</a:t>
-            </a:r>
-            <a:r>
-              <a:rPr lang="en-US" dirty="0" smtClean="0"/>
-              <a:t>rite </a:t>
-            </a:r>
-            <a:r>
-              <a:rPr lang="en-US" dirty="0"/>
-              <a:t>down the examples as human readable comments within </a:t>
-            </a:r>
-            <a:r>
-              <a:rPr lang="en-US" dirty="0" smtClean="0"/>
-              <a:t>the program.</a:t>
-            </a:r>
-            <a:endParaRPr lang="en-US" dirty="0"/>
+              <a:t>Write down the examples as human readable comments within the program.</a:t>
+            </a:r>
           </a:p>
           <a:p>
             <a:endParaRPr lang="en-US" dirty="0"/>
@@ -7602,13 +7181,6 @@
   <p:clrMapOvr>
     <a:masterClrMapping/>
   </p:clrMapOvr>
-  <p:timing>
-    <p:tnLst>
-      <p:par>
-        <p:cTn id="1" dur="indefinite" restart="never" nodeType="tmRoot"/>
-      </p:par>
-    </p:tnLst>
-  </p:timing>
 </p:sld>
 </file>
 
@@ -7645,10 +7217,9 @@
           <a:lstStyle/>
           <a:p>
             <a:r>
-              <a:rPr lang="en-US" dirty="0" smtClean="0"/>
+              <a:rPr lang="en-US" dirty="0"/>
               <a:t>Turn your examples into tests</a:t>
             </a:r>
-            <a:endParaRPr lang="en-US" dirty="0"/>
           </a:p>
         </p:txBody>
       </p:sp>
@@ -7670,44 +7241,20 @@
           <a:lstStyle/>
           <a:p>
             <a:r>
-              <a:rPr lang="en-US" dirty="0" smtClean="0"/>
+              <a:rPr lang="en-US" dirty="0"/>
               <a:t>(begin-for-test</a:t>
             </a:r>
           </a:p>
           <a:p>
             <a:r>
               <a:rPr lang="en-US" dirty="0"/>
-              <a:t> </a:t>
-            </a:r>
-            <a:r>
-              <a:rPr lang="en-US" dirty="0" smtClean="0"/>
-              <a:t> (check-equal? </a:t>
-            </a:r>
+              <a:t>  (check-equal? (f2c 32) 0)</a:t>
+            </a:r>
+          </a:p>
+          <a:p>
             <a:r>
               <a:rPr lang="en-US" dirty="0"/>
-              <a:t>(f2c 32) </a:t>
-            </a:r>
-            <a:r>
-              <a:rPr lang="en-US" dirty="0" smtClean="0"/>
-              <a:t>0)</a:t>
-            </a:r>
-          </a:p>
-          <a:p>
-            <a:r>
-              <a:rPr lang="en-US" dirty="0"/>
-              <a:t> </a:t>
-            </a:r>
-            <a:r>
-              <a:rPr lang="en-US" dirty="0" smtClean="0"/>
-              <a:t> (check-equal? (</a:t>
-            </a:r>
-            <a:r>
-              <a:rPr lang="en-US" dirty="0"/>
-              <a:t>f2c 212) </a:t>
-            </a:r>
-            <a:r>
-              <a:rPr lang="en-US" dirty="0" smtClean="0"/>
-              <a:t>100))</a:t>
+              <a:t>  (check-equal? (f2c 212) 100))</a:t>
             </a:r>
           </a:p>
           <a:p>
@@ -7716,7 +7263,7 @@
               <a:buChar char="•"/>
             </a:pPr>
             <a:r>
-              <a:rPr lang="en-US" b="0" dirty="0" smtClean="0">
+              <a:rPr lang="en-US" b="0" dirty="0">
                 <a:latin typeface="+mn-lt"/>
               </a:rPr>
               <a:t>Tests live in your file, so they are checked every time your file is loaded</a:t>
@@ -7728,7 +7275,7 @@
               <a:buChar char="•"/>
             </a:pPr>
             <a:r>
-              <a:rPr lang="en-US" b="0" dirty="0" smtClean="0">
+              <a:rPr lang="en-US" b="0" dirty="0">
                 <a:latin typeface="+mn-lt"/>
               </a:rPr>
               <a:t>Exact technology for tests may change; see the example files for current technology</a:t>
@@ -7740,14 +7287,11 @@
               <a:buChar char="•"/>
             </a:pPr>
             <a:r>
-              <a:rPr lang="en-US" b="0" dirty="0" smtClean="0">
+              <a:rPr lang="en-US" b="0" dirty="0">
                 <a:latin typeface="+mn-lt"/>
               </a:rPr>
               <a:t>LOTS more to say about testing, but this is enough for now.</a:t>
             </a:r>
-            <a:endParaRPr lang="en-US" b="0" dirty="0">
-              <a:latin typeface="+mn-lt"/>
-            </a:endParaRPr>
           </a:p>
           <a:p>
             <a:endParaRPr lang="en-US" dirty="0"/>
@@ -7788,13 +7332,6 @@
   <p:clrMapOvr>
     <a:masterClrMapping/>
   </p:clrMapOvr>
-  <p:timing>
-    <p:tnLst>
-      <p:par>
-        <p:cTn id="1" dur="indefinite" restart="never" nodeType="tmRoot"/>
-      </p:par>
-    </p:tnLst>
-  </p:timing>
 </p:sld>
 </file>
 
@@ -7831,10 +7368,9 @@
           <a:lstStyle/>
           <a:p>
             <a:r>
-              <a:rPr lang="en-US" dirty="0" smtClean="0"/>
+              <a:rPr lang="en-US" dirty="0"/>
               <a:t>Summary</a:t>
             </a:r>
-            <a:endParaRPr lang="en-US" dirty="0"/>
           </a:p>
         </p:txBody>
       </p:sp>
@@ -7854,7 +7390,7 @@
           <a:lstStyle/>
           <a:p>
             <a:r>
-              <a:rPr lang="en-US" dirty="0" smtClean="0"/>
+              <a:rPr lang="en-US" dirty="0"/>
               <a:t>In this lesson, you have learned how to:</a:t>
             </a:r>
           </a:p>
@@ -7876,28 +7412,15 @@
             <a:pPr lvl="1"/>
             <a:r>
               <a:rPr lang="en-US" dirty="0"/>
-              <a:t>Write down </a:t>
-            </a:r>
-            <a:r>
-              <a:rPr lang="en-US" dirty="0" smtClean="0"/>
-              <a:t>those </a:t>
-            </a:r>
+              <a:t>Write down those examples as human readable comments within the program.</a:t>
+            </a:r>
+          </a:p>
+          <a:p>
+            <a:pPr lvl="1"/>
             <a:r>
               <a:rPr lang="en-US" dirty="0"/>
-              <a:t>examples as human readable comments within the program</a:t>
-            </a:r>
-            <a:r>
-              <a:rPr lang="en-US" dirty="0" smtClean="0"/>
-              <a:t>.</a:t>
-            </a:r>
-          </a:p>
-          <a:p>
-            <a:pPr lvl="1"/>
-            <a:r>
-              <a:rPr lang="en-US" dirty="0" smtClean="0"/>
               <a:t>Turn your examples into executable tests.</a:t>
             </a:r>
-            <a:endParaRPr lang="en-US" dirty="0"/>
           </a:p>
           <a:p>
             <a:pPr lvl="1"/>
@@ -7960,13 +7483,6 @@
   <p:clrMapOvr>
     <a:masterClrMapping/>
   </p:clrMapOvr>
-  <p:timing>
-    <p:tnLst>
-      <p:par>
-        <p:cTn id="1" dur="indefinite" restart="never" nodeType="tmRoot"/>
-      </p:par>
-    </p:tnLst>
-  </p:timing>
 </p:sld>
 </file>
 
@@ -8003,10 +7519,9 @@
           <a:lstStyle/>
           <a:p>
             <a:r>
-              <a:rPr lang="en-US" dirty="0" smtClean="0"/>
+              <a:rPr lang="en-US" dirty="0"/>
               <a:t>Next Steps</a:t>
             </a:r>
-            <a:endParaRPr lang="en-US" dirty="0"/>
           </a:p>
         </p:txBody>
       </p:sp>
@@ -8026,27 +7541,27 @@
           <a:lstStyle/>
           <a:p>
             <a:r>
-              <a:rPr lang="en-US" dirty="0" smtClean="0"/>
+              <a:rPr lang="en-US" dirty="0"/>
               <a:t>Study the file 01-3-rocket-examples.rkt in the Examples </a:t>
             </a:r>
             <a:r>
-              <a:rPr lang="en-US" smtClean="0"/>
+              <a:rPr lang="en-US"/>
               <a:t>folder.</a:t>
             </a:r>
           </a:p>
           <a:p>
             <a:r>
-              <a:rPr lang="en-US" smtClean="0"/>
+              <a:rPr lang="en-US"/>
               <a:t>If </a:t>
             </a:r>
             <a:r>
-              <a:rPr lang="en-US" dirty="0" smtClean="0"/>
+              <a:rPr lang="en-US" dirty="0"/>
               <a:t>you have questions about this lesson, post them on the discussion board.</a:t>
             </a:r>
           </a:p>
           <a:p>
             <a:r>
-              <a:rPr lang="en-US" dirty="0" smtClean="0"/>
+              <a:rPr lang="en-US" dirty="0"/>
               <a:t>Go on to the next lesson.</a:t>
             </a:r>
           </a:p>
@@ -8086,13 +7601,6 @@
   <p:clrMapOvr>
     <a:masterClrMapping/>
   </p:clrMapOvr>
-  <p:timing>
-    <p:tnLst>
-      <p:par>
-        <p:cTn id="1" dur="indefinite" restart="never" nodeType="tmRoot"/>
-      </p:par>
-    </p:tnLst>
-  </p:timing>
 </p:sld>
 </file>
 
@@ -8133,10 +7641,9 @@
           <a:lstStyle/>
           <a:p>
             <a:r>
-              <a:rPr lang="en-US" dirty="0" smtClean="0"/>
+              <a:rPr lang="en-US" dirty="0"/>
               <a:t>Lesson Outline</a:t>
             </a:r>
-            <a:endParaRPr lang="en-US" dirty="0"/>
           </a:p>
         </p:txBody>
       </p:sp>
@@ -8159,19 +7666,19 @@
               <a:buNone/>
             </a:pPr>
             <a:r>
-              <a:rPr lang="en-US" dirty="0" smtClean="0"/>
+              <a:rPr lang="en-US" dirty="0"/>
               <a:t>In this lesson we'll talk about two more steps in the Design Recipe:</a:t>
             </a:r>
           </a:p>
           <a:p>
             <a:r>
-              <a:rPr lang="en-US" dirty="0" smtClean="0"/>
+              <a:rPr lang="en-US" dirty="0"/>
               <a:t>Step 2: Contract and Purpose Statement</a:t>
             </a:r>
           </a:p>
           <a:p>
             <a:r>
-              <a:rPr lang="en-US" dirty="0" smtClean="0"/>
+              <a:rPr lang="en-US" dirty="0"/>
               <a:t>Step 3: Examples and Tests</a:t>
             </a:r>
           </a:p>
@@ -8180,7 +7687,7 @@
               <a:buNone/>
             </a:pPr>
             <a:r>
-              <a:rPr lang="en-US" dirty="0" smtClean="0"/>
+              <a:rPr lang="en-US" dirty="0"/>
               <a:t>We'll also talk about a few other things, like how to choose good names for your functions and variables.</a:t>
             </a:r>
           </a:p>
@@ -8196,13 +7703,6 @@
   <p:clrMapOvr>
     <a:masterClrMapping/>
   </p:clrMapOvr>
-  <p:timing>
-    <p:tnLst>
-      <p:par>
-        <p:cTn id="1" dur="indefinite" restart="never" nodeType="tmRoot"/>
-      </p:par>
-    </p:tnLst>
-  </p:timing>
 </p:sld>
 </file>
 
@@ -8239,10 +7739,9 @@
           <a:lstStyle/>
           <a:p>
             <a:r>
-              <a:rPr lang="en-US" dirty="0" smtClean="0"/>
+              <a:rPr lang="en-US" dirty="0"/>
               <a:t>The Function Design Recipe</a:t>
             </a:r>
-            <a:endParaRPr lang="en-US" dirty="0"/>
           </a:p>
         </p:txBody>
       </p:sp>
@@ -8268,7 +7767,13 @@
                 <a:tableStyleId>{5C22544A-7EE6-4342-B048-85BDC9FD1C3A}</a:tableStyleId>
               </a:tblPr>
               <a:tblGrid>
-                <a:gridCol w="8229600"/>
+                <a:gridCol w="8229600">
+                  <a:extLst>
+                    <a:ext uri="{9D8B030D-6E8A-4147-A177-3AD203B41FA5}">
+                      <a16:colId xmlns:a16="http://schemas.microsoft.com/office/drawing/2014/main" val="20000"/>
+                    </a:ext>
+                  </a:extLst>
+                </a:gridCol>
               </a:tblGrid>
               <a:tr h="370840">
                 <a:tc>
@@ -8278,14 +7783,18 @@
                     <a:p>
                       <a:pPr algn="ctr"/>
                       <a:r>
-                        <a:rPr lang="en-US" sz="3200" dirty="0" smtClean="0"/>
+                        <a:rPr lang="en-US" sz="3200" dirty="0"/>
                         <a:t>The Function Design Recipe</a:t>
                       </a:r>
-                      <a:endParaRPr lang="en-US" sz="3200" dirty="0"/>
                     </a:p>
                   </a:txBody>
                   <a:tcPr/>
                 </a:tc>
+                <a:extLst>
+                  <a:ext uri="{0D108BD9-81ED-4DB2-BD59-A6C34878D82A}">
+                    <a16:rowId xmlns:a16="http://schemas.microsoft.com/office/drawing/2014/main" val="10000"/>
+                  </a:ext>
+                </a:extLst>
               </a:tr>
               <a:tr h="370840">
                 <a:tc>
@@ -8294,14 +7803,18 @@
                     <a:lstStyle/>
                     <a:p>
                       <a:r>
-                        <a:rPr lang="en-US" sz="3200" dirty="0" smtClean="0"/>
+                        <a:rPr lang="en-US" sz="3200" dirty="0"/>
                         <a:t>1. Data Design</a:t>
                       </a:r>
-                      <a:endParaRPr lang="en-US" sz="3200" dirty="0"/>
                     </a:p>
                   </a:txBody>
                   <a:tcPr/>
                 </a:tc>
+                <a:extLst>
+                  <a:ext uri="{0D108BD9-81ED-4DB2-BD59-A6C34878D82A}">
+                    <a16:rowId xmlns:a16="http://schemas.microsoft.com/office/drawing/2014/main" val="10001"/>
+                  </a:ext>
+                </a:extLst>
               </a:tr>
               <a:tr h="370840">
                 <a:tc>
@@ -8310,14 +7823,18 @@
                     <a:lstStyle/>
                     <a:p>
                       <a:r>
-                        <a:rPr lang="en-US" sz="3200" dirty="0" smtClean="0"/>
+                        <a:rPr lang="en-US" sz="3200" dirty="0"/>
                         <a:t>2. Contract and Purpose Statement</a:t>
                       </a:r>
-                      <a:endParaRPr lang="en-US" sz="3200" dirty="0"/>
                     </a:p>
                   </a:txBody>
                   <a:tcPr/>
                 </a:tc>
+                <a:extLst>
+                  <a:ext uri="{0D108BD9-81ED-4DB2-BD59-A6C34878D82A}">
+                    <a16:rowId xmlns:a16="http://schemas.microsoft.com/office/drawing/2014/main" val="10002"/>
+                  </a:ext>
+                </a:extLst>
               </a:tr>
               <a:tr h="370840">
                 <a:tc>
@@ -8326,11 +7843,11 @@
                     <a:lstStyle/>
                     <a:p>
                       <a:r>
-                        <a:rPr lang="en-US" sz="3200" dirty="0" smtClean="0"/>
+                        <a:rPr lang="en-US" sz="3200" dirty="0"/>
                         <a:t>3.</a:t>
                       </a:r>
                       <a:r>
-                        <a:rPr lang="en-US" sz="3200" baseline="0" dirty="0" smtClean="0"/>
+                        <a:rPr lang="en-US" sz="3200" baseline="0" dirty="0"/>
                         <a:t> Examples and Tests</a:t>
                       </a:r>
                       <a:endParaRPr lang="en-US" sz="3200" dirty="0"/>
@@ -8338,6 +7855,11 @@
                   </a:txBody>
                   <a:tcPr/>
                 </a:tc>
+                <a:extLst>
+                  <a:ext uri="{0D108BD9-81ED-4DB2-BD59-A6C34878D82A}">
+                    <a16:rowId xmlns:a16="http://schemas.microsoft.com/office/drawing/2014/main" val="10003"/>
+                  </a:ext>
+                </a:extLst>
               </a:tr>
               <a:tr h="370840">
                 <a:tc>
@@ -8346,13 +7868,18 @@
                     <a:lstStyle/>
                     <a:p>
                       <a:r>
-                        <a:rPr lang="en-US" sz="3200" dirty="0" smtClean="0"/>
+                        <a:rPr lang="en-US" sz="3200" dirty="0"/>
                         <a:t>4. Design Strategy</a:t>
                       </a:r>
                     </a:p>
                   </a:txBody>
                   <a:tcPr/>
                 </a:tc>
+                <a:extLst>
+                  <a:ext uri="{0D108BD9-81ED-4DB2-BD59-A6C34878D82A}">
+                    <a16:rowId xmlns:a16="http://schemas.microsoft.com/office/drawing/2014/main" val="10004"/>
+                  </a:ext>
+                </a:extLst>
               </a:tr>
               <a:tr h="370840">
                 <a:tc>
@@ -8361,14 +7888,18 @@
                     <a:lstStyle/>
                     <a:p>
                       <a:r>
-                        <a:rPr lang="en-US" sz="3200" dirty="0" smtClean="0"/>
+                        <a:rPr lang="en-US" sz="3200" dirty="0"/>
                         <a:t>5. Function Definition</a:t>
                       </a:r>
-                      <a:endParaRPr lang="en-US" sz="3200" dirty="0"/>
                     </a:p>
                   </a:txBody>
                   <a:tcPr/>
                 </a:tc>
+                <a:extLst>
+                  <a:ext uri="{0D108BD9-81ED-4DB2-BD59-A6C34878D82A}">
+                    <a16:rowId xmlns:a16="http://schemas.microsoft.com/office/drawing/2014/main" val="10005"/>
+                  </a:ext>
+                </a:extLst>
               </a:tr>
               <a:tr h="370840">
                 <a:tc>
@@ -8377,11 +7908,11 @@
                     <a:lstStyle/>
                     <a:p>
                       <a:r>
-                        <a:rPr lang="en-US" sz="3200" dirty="0" smtClean="0"/>
+                        <a:rPr lang="en-US" sz="3200" dirty="0"/>
                         <a:t>6. Program</a:t>
                       </a:r>
                       <a:r>
-                        <a:rPr lang="en-US" sz="3200" baseline="0" dirty="0" smtClean="0"/>
+                        <a:rPr lang="en-US" sz="3200" baseline="0" dirty="0"/>
                         <a:t> Review</a:t>
                       </a:r>
                       <a:endParaRPr lang="en-US" sz="3200" dirty="0"/>
@@ -8389,6 +7920,11 @@
                   </a:txBody>
                   <a:tcPr/>
                 </a:tc>
+                <a:extLst>
+                  <a:ext uri="{0D108BD9-81ED-4DB2-BD59-A6C34878D82A}">
+                    <a16:rowId xmlns:a16="http://schemas.microsoft.com/office/drawing/2014/main" val="10006"/>
+                  </a:ext>
+                </a:extLst>
               </a:tr>
             </a:tbl>
           </a:graphicData>
@@ -8452,13 +7988,6 @@
   <p:clrMapOvr>
     <a:masterClrMapping/>
   </p:clrMapOvr>
-  <p:timing>
-    <p:tnLst>
-      <p:par>
-        <p:cTn id="1" dur="indefinite" restart="never" nodeType="tmRoot"/>
-      </p:par>
-    </p:tnLst>
-  </p:timing>
 </p:sld>
 </file>
 
@@ -8497,10 +8026,9 @@
           <a:lstStyle/>
           <a:p>
             <a:r>
-              <a:rPr lang="en-US" dirty="0" smtClean="0"/>
+              <a:rPr lang="en-US" dirty="0"/>
               <a:t>Step 2: Contract and Purpose Statement</a:t>
             </a:r>
-            <a:endParaRPr lang="en-US" dirty="0"/>
           </a:p>
         </p:txBody>
       </p:sp>
@@ -8522,7 +8050,7 @@
           <a:lstStyle/>
           <a:p>
             <a:r>
-              <a:rPr lang="en-US" i="1" dirty="0" smtClean="0">
+              <a:rPr lang="en-US" i="1" dirty="0">
                 <a:solidFill>
                   <a:srgbClr val="FF0000"/>
                 </a:solidFill>
@@ -8530,13 +8058,13 @@
               <a:t>Contract:</a:t>
             </a:r>
             <a:r>
-              <a:rPr lang="en-US" dirty="0" smtClean="0"/>
+              <a:rPr lang="en-US" dirty="0"/>
               <a:t> specifies the kind of input data and the kind of output data</a:t>
             </a:r>
           </a:p>
           <a:p>
             <a:r>
-              <a:rPr lang="en-US" i="1" dirty="0" smtClean="0">
+              <a:rPr lang="en-US" i="1" dirty="0">
                 <a:solidFill>
                   <a:srgbClr val="FF0000"/>
                 </a:solidFill>
@@ -8544,20 +8072,8 @@
               <a:t>Purpose Statement:</a:t>
             </a:r>
             <a:r>
-              <a:rPr lang="en-US" dirty="0" smtClean="0"/>
-              <a:t> </a:t>
-            </a:r>
-            <a:r>
               <a:rPr lang="en-US" dirty="0"/>
-              <a:t>A </a:t>
-            </a:r>
-            <a:r>
-              <a:rPr lang="en-US" dirty="0" smtClean="0"/>
-              <a:t>set of short noun phrases </a:t>
-            </a:r>
-            <a:r>
-              <a:rPr lang="en-US" dirty="0"/>
-              <a:t>describing </a:t>
+              <a:t> A set of short noun phrases describing </a:t>
             </a:r>
             <a:r>
               <a:rPr lang="en-US" i="1" dirty="0"/>
@@ -8565,45 +8081,24 @@
             </a:r>
             <a:r>
               <a:rPr lang="en-US" dirty="0"/>
-              <a:t> the function is supposed to return. </a:t>
-            </a:r>
-            <a:r>
-              <a:rPr lang="en-US" dirty="0" smtClean="0"/>
-              <a:t>These are typically </a:t>
+              <a:t> the function is supposed to return. These are typically phrased in terms of information, not data. </a:t>
+            </a:r>
+          </a:p>
+          <a:p>
+            <a:pPr lvl="1"/>
+            <a:r>
+              <a:rPr lang="en-US"/>
+              <a:t>They </a:t>
             </a:r>
             <a:r>
               <a:rPr lang="en-US" dirty="0"/>
-              <a:t>phrased in terms of information, not data. </a:t>
-            </a:r>
-            <a:endParaRPr lang="en-US" dirty="0" smtClean="0"/>
+              <a:t>generally take the form GIVEN/RETURNS, where each of these keywords is followed by a short noun phrase.</a:t>
+            </a:r>
           </a:p>
           <a:p>
             <a:pPr lvl="1"/>
             <a:r>
-              <a:rPr lang="en-US" smtClean="0"/>
-              <a:t>They </a:t>
-            </a:r>
-            <a:r>
-              <a:rPr lang="en-US" dirty="0" smtClean="0"/>
-              <a:t>generally take the </a:t>
-            </a:r>
-            <a:r>
               <a:rPr lang="en-US" dirty="0"/>
-              <a:t>form </a:t>
-            </a:r>
-            <a:r>
-              <a:rPr lang="en-US" dirty="0" smtClean="0"/>
-              <a:t>GIVEN/RETURNS</a:t>
-            </a:r>
-            <a:r>
-              <a:rPr lang="en-US" dirty="0"/>
-              <a:t>, where each of these keywords is followed by a short noun phrase.</a:t>
-            </a:r>
-          </a:p>
-          <a:p>
-            <a:pPr lvl="1"/>
-            <a:r>
-              <a:rPr lang="en-US" dirty="0" smtClean="0"/>
               <a:t>When possible, they are phrased in terms of information, not data.</a:t>
             </a:r>
           </a:p>
@@ -8646,13 +8141,6 @@
   <p:clrMapOvr>
     <a:masterClrMapping/>
   </p:clrMapOvr>
-  <p:timing>
-    <p:tnLst>
-      <p:par>
-        <p:cTn id="1" dur="indefinite" restart="never" nodeType="tmRoot"/>
-      </p:par>
-    </p:tnLst>
-  </p:timing>
 </p:sld>
 </file>
 
@@ -8691,10 +8179,9 @@
           <a:lstStyle/>
           <a:p>
             <a:r>
-              <a:rPr lang="en-US" dirty="0" smtClean="0"/>
+              <a:rPr lang="en-US" dirty="0"/>
               <a:t>Examples of Contract and Purpose Statements</a:t>
             </a:r>
-            <a:endParaRPr lang="en-US" dirty="0"/>
           </a:p>
         </p:txBody>
       </p:sp>
@@ -8719,11 +8206,11 @@
               <a:buNone/>
             </a:pPr>
             <a:r>
-              <a:rPr lang="en-US" sz="2400" dirty="0" smtClean="0"/>
+              <a:rPr lang="en-US" sz="2400" dirty="0"/>
               <a:t>f2c : </a:t>
             </a:r>
             <a:r>
-              <a:rPr lang="en-US" sz="2400" dirty="0" smtClean="0">
+              <a:rPr lang="en-US" sz="2400" dirty="0">
                 <a:solidFill>
                   <a:schemeClr val="accent3"/>
                 </a:solidFill>
@@ -8731,7 +8218,7 @@
               <a:t>Real</a:t>
             </a:r>
             <a:r>
-              <a:rPr lang="en-US" sz="2400" dirty="0" smtClean="0"/>
+              <a:rPr lang="en-US" sz="2400" dirty="0"/>
               <a:t> -&gt; Real</a:t>
             </a:r>
           </a:p>
@@ -8740,12 +8227,8 @@
               <a:buNone/>
             </a:pPr>
             <a:r>
-              <a:rPr lang="en-US" sz="2400" dirty="0" smtClean="0"/>
-              <a:t>GIVEN</a:t>
-            </a:r>
-            <a:r>
               <a:rPr lang="en-US" sz="2400" dirty="0"/>
-              <a:t>: </a:t>
+              <a:t>GIVEN: </a:t>
             </a:r>
             <a:r>
               <a:rPr lang="en-US" sz="2400" dirty="0">
@@ -8755,95 +8238,14 @@
               </a:rPr>
               <a:t>a temperature in Fahrenheit </a:t>
             </a:r>
-            <a:endParaRPr lang="en-US" sz="2400" dirty="0" smtClean="0">
-              <a:solidFill>
-                <a:srgbClr val="FF0000"/>
-              </a:solidFill>
-            </a:endParaRPr>
           </a:p>
           <a:p>
             <a:pPr>
               <a:buNone/>
             </a:pPr>
             <a:r>
-              <a:rPr lang="en-US" sz="2400" dirty="0" smtClean="0"/>
-              <a:t>RETURNS</a:t>
-            </a:r>
-            <a:r>
               <a:rPr lang="en-US" sz="2400" dirty="0"/>
-              <a:t>: the corresponding temperature in Celsius </a:t>
-            </a:r>
-            <a:endParaRPr lang="en-US" sz="2400" dirty="0" smtClean="0"/>
-          </a:p>
-          <a:p>
-            <a:pPr>
-              <a:buNone/>
-            </a:pPr>
-            <a:endParaRPr lang="en-US" sz="2400" dirty="0" smtClean="0"/>
-          </a:p>
-          <a:p>
-            <a:pPr>
-              <a:buNone/>
-            </a:pPr>
-            <a:r>
-              <a:rPr lang="en-US" sz="2400" dirty="0" smtClean="0"/>
-              <a:t>add-cat-to-scene : Cat Scene -&gt; Scene</a:t>
-            </a:r>
-            <a:endParaRPr lang="en-US" sz="2400" dirty="0"/>
-          </a:p>
-          <a:p>
-            <a:pPr>
-              <a:buNone/>
-            </a:pPr>
-            <a:r>
-              <a:rPr lang="en-US" sz="2400" dirty="0" smtClean="0"/>
-              <a:t>GIVEN</a:t>
-            </a:r>
-            <a:r>
-              <a:rPr lang="en-US" sz="2400" dirty="0"/>
-              <a:t>: a Cat c and </a:t>
-            </a:r>
-            <a:r>
-              <a:rPr lang="en-US" sz="2400" dirty="0" smtClean="0"/>
-              <a:t>a Scene </a:t>
-            </a:r>
-            <a:r>
-              <a:rPr lang="en-US" sz="2400" dirty="0"/>
-              <a:t>s </a:t>
-            </a:r>
-            <a:endParaRPr lang="en-US" sz="2400" dirty="0" smtClean="0"/>
-          </a:p>
-          <a:p>
-            <a:pPr>
-              <a:buNone/>
-            </a:pPr>
-            <a:r>
-              <a:rPr lang="en-US" sz="2400" dirty="0" smtClean="0"/>
-              <a:t>RETURNS</a:t>
-            </a:r>
-            <a:r>
-              <a:rPr lang="en-US" sz="2400" dirty="0"/>
-              <a:t>: A </a:t>
-            </a:r>
-            <a:r>
-              <a:rPr lang="en-US" sz="2400" dirty="0" smtClean="0"/>
-              <a:t>Scene </a:t>
-            </a:r>
-            <a:r>
-              <a:rPr lang="en-US" sz="2400" dirty="0"/>
-              <a:t>like s, except that the </a:t>
-            </a:r>
-            <a:r>
-              <a:rPr lang="en-US" sz="2400" dirty="0" smtClean="0"/>
-              <a:t>Cat </a:t>
-            </a:r>
-            <a:r>
-              <a:rPr lang="en-US" sz="2400" dirty="0"/>
-              <a:t>c has been painted on it</a:t>
-            </a:r>
-            <a:r>
-              <a:rPr lang="en-US" sz="2400" dirty="0" smtClean="0"/>
-              <a:t>.</a:t>
+              <a:t>RETURNS: the corresponding temperature in Celsius </a:t>
             </a:r>
           </a:p>
           <a:p>
@@ -8853,54 +8255,62 @@
             <a:endParaRPr lang="en-US" sz="2400" dirty="0"/>
           </a:p>
           <a:p>
-            <a:r>
-              <a:rPr lang="en-US" sz="2400" dirty="0" smtClean="0">
-                <a:latin typeface="Consolas"/>
-                <a:cs typeface="Consolas"/>
-              </a:rPr>
-              <a:t>GIVEN: the </a:t>
-            </a:r>
+            <a:pPr>
+              <a:buNone/>
+            </a:pPr>
+            <a:r>
+              <a:rPr lang="en-US" sz="2400" dirty="0"/>
+              <a:t>add-cat-to-scene : Cat Scene -&gt; Scene</a:t>
+            </a:r>
+          </a:p>
+          <a:p>
+            <a:pPr>
+              <a:buNone/>
+            </a:pPr>
+            <a:r>
+              <a:rPr lang="en-US" sz="2400" dirty="0"/>
+              <a:t>GIVEN: a Cat c and a Scene s </a:t>
+            </a:r>
+          </a:p>
+          <a:p>
+            <a:pPr>
+              <a:buNone/>
+            </a:pPr>
+            <a:r>
+              <a:rPr lang="en-US" sz="2400" dirty="0"/>
+              <a:t>RETURNS: A Scene like s, except that the Cat c has been painted on it.</a:t>
+            </a:r>
+          </a:p>
+          <a:p>
+            <a:pPr>
+              <a:buNone/>
+            </a:pPr>
+            <a:endParaRPr lang="en-US" sz="2400" dirty="0"/>
+          </a:p>
+          <a:p>
             <a:r>
               <a:rPr lang="en-US" sz="2400" dirty="0">
                 <a:latin typeface="Consolas"/>
                 <a:cs typeface="Consolas"/>
               </a:rPr>
-              <a:t>inner and outer radii of a ring,</a:t>
-            </a:r>
-          </a:p>
-          <a:p>
-            <a:r>
-              <a:rPr lang="en-US" sz="2400" dirty="0" smtClean="0">
-                <a:latin typeface="Consolas"/>
-                <a:cs typeface="Consolas"/>
-              </a:rPr>
-              <a:t>RETURNS: </a:t>
-            </a:r>
+              <a:t>GIVEN: the inner and outer radii of a ring,</a:t>
+            </a:r>
+          </a:p>
+          <a:p>
             <a:r>
               <a:rPr lang="en-US" sz="2400" dirty="0">
                 <a:latin typeface="Consolas"/>
                 <a:cs typeface="Consolas"/>
               </a:rPr>
-              <a:t>its </a:t>
-            </a:r>
-            <a:r>
-              <a:rPr lang="en-US" sz="2400" dirty="0" smtClean="0">
-                <a:latin typeface="Consolas"/>
-                <a:cs typeface="Consolas"/>
-              </a:rPr>
-              <a:t>area</a:t>
-            </a:r>
-            <a:endParaRPr lang="en-US" sz="2400" dirty="0">
-              <a:latin typeface="Consolas"/>
-              <a:cs typeface="Consolas"/>
-            </a:endParaRPr>
+              <a:t>RETURNS: its area</a:t>
+            </a:r>
           </a:p>
           <a:p>
             <a:pPr>
               <a:buNone/>
             </a:pPr>
             <a:r>
-              <a:rPr lang="en-US" sz="2400" dirty="0" smtClean="0"/>
+              <a:rPr lang="en-US" sz="2400" dirty="0"/>
               <a:t> </a:t>
             </a:r>
           </a:p>
@@ -8958,7 +8368,7 @@
           <a:lstStyle/>
           <a:p>
             <a:r>
-              <a:rPr lang="en-US" sz="2400" dirty="0" smtClean="0">
+              <a:rPr lang="en-US" sz="2400" dirty="0">
                 <a:solidFill>
                   <a:schemeClr val="accent3">
                     <a:lumMod val="75000"/>
@@ -8967,13 +8377,6 @@
               </a:rPr>
               <a:t>data</a:t>
             </a:r>
-            <a:endParaRPr lang="en-US" sz="2400" dirty="0">
-              <a:solidFill>
-                <a:schemeClr val="accent3">
-                  <a:lumMod val="75000"/>
-                </a:schemeClr>
-              </a:solidFill>
-            </a:endParaRPr>
           </a:p>
         </p:txBody>
       </p:sp>
@@ -9005,18 +8408,13 @@
           <a:lstStyle/>
           <a:p>
             <a:r>
-              <a:rPr lang="en-US" sz="2400" dirty="0" smtClean="0">
+              <a:rPr lang="en-US" sz="2400" dirty="0">
                 <a:solidFill>
                   <a:srgbClr val="FF0000"/>
                 </a:solidFill>
               </a:rPr>
               <a:t>information</a:t>
             </a:r>
-            <a:endParaRPr lang="en-US" sz="2400" dirty="0">
-              <a:solidFill>
-                <a:srgbClr val="FF0000"/>
-              </a:solidFill>
-            </a:endParaRPr>
           </a:p>
         </p:txBody>
       </p:sp>
@@ -9196,13 +8594,6 @@
   <p:clrMapOvr>
     <a:masterClrMapping/>
   </p:clrMapOvr>
-  <p:timing>
-    <p:tnLst>
-      <p:par>
-        <p:cTn id="1" dur="indefinite" restart="never" nodeType="tmRoot"/>
-      </p:par>
-    </p:tnLst>
-  </p:timing>
 </p:sld>
 </file>
 
@@ -9241,10 +8632,9 @@
           <a:lstStyle/>
           <a:p>
             <a:r>
-              <a:rPr lang="en-US" dirty="0" smtClean="0"/>
+              <a:rPr lang="en-US" dirty="0"/>
               <a:t>What makes a good purpose statement?</a:t>
             </a:r>
-            <a:endParaRPr lang="en-US" dirty="0"/>
           </a:p>
         </p:txBody>
       </p:sp>
@@ -9266,7 +8656,7 @@
           <a:lstStyle/>
           <a:p>
             <a:r>
-              <a:rPr lang="en-US" dirty="0" smtClean="0"/>
+              <a:rPr lang="en-US" dirty="0"/>
               <a:t>It gives more information than just the contract.  For example</a:t>
             </a:r>
           </a:p>
@@ -9275,7 +8665,7 @@
               <a:buNone/>
             </a:pPr>
             <a:r>
-              <a:rPr lang="en-US" sz="2000" b="1" dirty="0" smtClean="0">
+              <a:rPr lang="en-US" sz="2000" b="1" dirty="0">
                 <a:latin typeface="Consolas" pitchFamily="49" charset="0"/>
                 <a:cs typeface="Consolas" pitchFamily="49" charset="0"/>
               </a:rPr>
@@ -9287,7 +8677,7 @@
               <a:buNone/>
             </a:pPr>
             <a:r>
-              <a:rPr lang="en-US" sz="2000" b="1" dirty="0" smtClean="0">
+              <a:rPr lang="en-US" sz="2000" b="1" dirty="0">
                 <a:latin typeface="Consolas" pitchFamily="49" charset="0"/>
                 <a:cs typeface="Consolas" pitchFamily="49" charset="0"/>
               </a:rPr>
@@ -9299,7 +8689,7 @@
               <a:buNone/>
             </a:pPr>
             <a:r>
-              <a:rPr lang="en-US" dirty="0" smtClean="0">
+              <a:rPr lang="en-US" dirty="0">
                 <a:cs typeface="Consolas" pitchFamily="49" charset="0"/>
               </a:rPr>
               <a:t>is not a good purpose statement</a:t>
@@ -9308,19 +8698,19 @@
           <a:p>
             <a:pPr marL="457200" indent="-457200"/>
             <a:r>
-              <a:rPr lang="en-US" dirty="0" smtClean="0">
+              <a:rPr lang="en-US" dirty="0">
                 <a:cs typeface="Consolas" pitchFamily="49" charset="0"/>
               </a:rPr>
               <a:t>It is </a:t>
             </a:r>
             <a:r>
-              <a:rPr lang="en-US" i="1" dirty="0" smtClean="0">
+              <a:rPr lang="en-US" i="1" dirty="0">
                 <a:cs typeface="Consolas" pitchFamily="49" charset="0"/>
               </a:rPr>
               <a:t>specific. </a:t>
             </a:r>
             <a:r>
-              <a:rPr lang="en-US" dirty="0" smtClean="0">
+              <a:rPr lang="en-US" dirty="0">
                 <a:cs typeface="Consolas" pitchFamily="49" charset="0"/>
               </a:rPr>
               <a:t>Ideally, a reader should be able to figure out what a function returns just by reading the purpose statement</a:t>
@@ -9329,7 +8719,7 @@
           <a:p>
             <a:pPr marL="857250" lvl="1" indent="-457200"/>
             <a:r>
-              <a:rPr lang="en-US" dirty="0" smtClean="0">
+              <a:rPr lang="en-US" dirty="0">
                 <a:cs typeface="Consolas" pitchFamily="49" charset="0"/>
               </a:rPr>
               <a:t>perhaps along with examples, other documentation, etc.</a:t>
@@ -9338,7 +8728,7 @@
           <a:p>
             <a:pPr marL="857250" lvl="1" indent="-457200"/>
             <a:r>
-              <a:rPr lang="en-US" dirty="0" smtClean="0">
+              <a:rPr lang="en-US" dirty="0">
                 <a:cs typeface="Consolas" pitchFamily="49" charset="0"/>
               </a:rPr>
               <a:t>but WITHOUT reading the code!</a:t>
@@ -9347,14 +8737,11 @@
           <a:p>
             <a:pPr marL="457200" indent="-457200"/>
             <a:r>
-              <a:rPr lang="en-US" dirty="0" smtClean="0">
+              <a:rPr lang="en-US" dirty="0">
                 <a:cs typeface="Consolas" pitchFamily="49" charset="0"/>
               </a:rPr>
               <a:t>We’ll learn more about purpose statements in Lesson 2.4.</a:t>
             </a:r>
-            <a:endParaRPr lang="en-US" dirty="0">
-              <a:cs typeface="Consolas" pitchFamily="49" charset="0"/>
-            </a:endParaRPr>
           </a:p>
         </p:txBody>
       </p:sp>
@@ -9368,13 +8755,6 @@
   <p:clrMapOvr>
     <a:masterClrMapping/>
   </p:clrMapOvr>
-  <p:timing>
-    <p:tnLst>
-      <p:par>
-        <p:cTn id="1" dur="indefinite" restart="never" nodeType="tmRoot"/>
-      </p:par>
-    </p:tnLst>
-  </p:timing>
 </p:sld>
 </file>
 
@@ -9416,41 +8796,23 @@
               <a:rPr lang="en-US" dirty="0"/>
               <a:t>A good choice of function name is important. </a:t>
             </a:r>
-            <a:endParaRPr lang="en-US" dirty="0" smtClean="0"/>
-          </a:p>
-          <a:p>
-            <a:r>
-              <a:rPr lang="en-US" dirty="0" smtClean="0"/>
-              <a:t>When </a:t>
-            </a:r>
+          </a:p>
+          <a:p>
             <a:r>
               <a:rPr lang="en-US" dirty="0"/>
-              <a:t>a function is used in some other piece of code, the reader should be able to tell roughly what a function computes just by looking at its name. </a:t>
-            </a:r>
-            <a:endParaRPr lang="en-US" dirty="0" smtClean="0"/>
-          </a:p>
-          <a:p>
-            <a:r>
-              <a:rPr lang="en-US" dirty="0" smtClean="0"/>
-              <a:t>If </a:t>
-            </a:r>
+              <a:t>When a function is used in some other piece of code, the reader should be able to tell roughly what a function computes just by looking at its name. </a:t>
+            </a:r>
+          </a:p>
+          <a:p>
             <a:r>
               <a:rPr lang="en-US" dirty="0"/>
-              <a:t>further detail is needed, then the reader can refer to the purpose statement of the function</a:t>
-            </a:r>
-            <a:r>
-              <a:rPr lang="en-US" dirty="0" smtClean="0"/>
-              <a:t>.</a:t>
-            </a:r>
-          </a:p>
-          <a:p>
-            <a:r>
-              <a:rPr lang="en-US" dirty="0" smtClean="0"/>
-              <a:t>If </a:t>
-            </a:r>
+              <a:t>If further detail is needed, then the reader can refer to the purpose statement of the function.</a:t>
+            </a:r>
+          </a:p>
+          <a:p>
             <a:r>
               <a:rPr lang="en-US" dirty="0"/>
-              <a:t>the function name is chosen well and the purpose statement is written well, the reader should rarely, if ever, need to refer to the function definition.</a:t>
+              <a:t>If the function name is chosen well and the purpose statement is written well, the reader should rarely, if ever, need to refer to the function definition.</a:t>
             </a:r>
           </a:p>
           <a:p>
@@ -9479,10 +8841,9 @@
           <a:lstStyle/>
           <a:p>
             <a:r>
-              <a:rPr lang="en-US" dirty="0" smtClean="0"/>
+              <a:rPr lang="en-US" dirty="0"/>
               <a:t>Good Function Names are Important</a:t>
             </a:r>
-            <a:endParaRPr lang="en-US" dirty="0"/>
           </a:p>
         </p:txBody>
       </p:sp>
@@ -9539,16 +8900,22 @@
           <a:p>
             <a:pPr algn="ctr"/>
             <a:r>
-              <a:rPr lang="en-US" sz="1200" dirty="0" smtClean="0"/>
+              <a:rPr lang="en-US" sz="1200" dirty="0"/>
               <a:t>For more discussion, see </a:t>
             </a:r>
             <a:r>
-              <a:rPr lang="en-US" sz="1200" dirty="0" smtClean="0">
+              <a:rPr lang="en-US" sz="1200" dirty="0">
                 <a:hlinkClick r:id="rId2"/>
               </a:rPr>
-              <a:t>What's in a Name?</a:t>
-            </a:r>
-            <a:endParaRPr lang="en-US" sz="1200" dirty="0" smtClean="0"/>
+              <a:t>What's</a:t>
+            </a:r>
+            <a:r>
+              <a:rPr lang="en-US" sz="1200" dirty="0">
+                <a:hlinkClick r:id="rId2"/>
+              </a:rPr>
+              <a:t> in a Name?</a:t>
+            </a:r>
+            <a:endParaRPr lang="en-US" sz="1200" dirty="0"/>
           </a:p>
         </p:txBody>
       </p:sp>
@@ -9562,13 +8929,6 @@
   <p:clrMapOvr>
     <a:masterClrMapping/>
   </p:clrMapOvr>
-  <p:timing>
-    <p:tnLst>
-      <p:par>
-        <p:cTn id="1" dur="indefinite" restart="never" nodeType="tmRoot"/>
-      </p:par>
-    </p:tnLst>
-  </p:timing>
 </p:sld>
 </file>
 
@@ -9607,10 +8967,9 @@
           <a:lstStyle/>
           <a:p>
             <a:r>
-              <a:rPr lang="en-US" dirty="0" smtClean="0"/>
+              <a:rPr lang="en-US" dirty="0"/>
               <a:t>Conventions for Good Function Names</a:t>
             </a:r>
-            <a:endParaRPr lang="en-US" dirty="0"/>
           </a:p>
         </p:txBody>
       </p:sp>
@@ -9640,38 +8999,21 @@
               <a:rPr lang="en-US" dirty="0"/>
               <a:t>Function names should almost always be nouns </a:t>
             </a:r>
-            <a:endParaRPr lang="en-US" dirty="0" smtClean="0"/>
           </a:p>
           <a:p>
             <a:r>
               <a:rPr lang="en-US" dirty="0"/>
-              <a:t>S</a:t>
-            </a:r>
-            <a:r>
-              <a:rPr lang="en-US" dirty="0" smtClean="0"/>
-              <a:t>hould </a:t>
-            </a:r>
-            <a:r>
-              <a:rPr lang="en-US" dirty="0"/>
-              <a:t>describe the result of the function </a:t>
-            </a:r>
-            <a:endParaRPr lang="en-US" dirty="0" smtClean="0"/>
+              <a:t>Should describe the result of the function </a:t>
+            </a:r>
           </a:p>
           <a:p>
             <a:pPr lvl="1"/>
-            <a:r>
-              <a:rPr lang="en-US" dirty="0" smtClean="0">
-                <a:latin typeface="Calibri" pitchFamily="34" charset="0"/>
-                <a:cs typeface="Calibri" pitchFamily="34" charset="0"/>
-              </a:rPr>
-              <a:t>e.g</a:t>
-            </a:r>
             <a:r>
               <a:rPr lang="en-US" dirty="0">
                 <a:latin typeface="Calibri" pitchFamily="34" charset="0"/>
                 <a:cs typeface="Calibri" pitchFamily="34" charset="0"/>
               </a:rPr>
-              <a:t>.</a:t>
+              <a:t>e.g.</a:t>
             </a:r>
             <a:r>
               <a:rPr lang="en-US" dirty="0">
@@ -9709,7 +9051,7 @@
               <a:t> </a:t>
             </a:r>
             <a:r>
-              <a:rPr lang="en-US" b="1" dirty="0" smtClean="0">
+              <a:rPr lang="en-US" b="1" dirty="0">
                 <a:latin typeface="Consolas"/>
                 <a:cs typeface="Consolas"/>
               </a:rPr>
@@ -9718,26 +9060,26 @@
           </a:p>
           <a:p>
             <a:r>
-              <a:rPr lang="en-US" dirty="0" smtClean="0">
+              <a:rPr lang="en-US" dirty="0">
                 <a:cs typeface="Consolas"/>
               </a:rPr>
               <a:t>Predicates should end in </a:t>
             </a:r>
             <a:r>
-              <a:rPr lang="en-US" b="1" dirty="0" smtClean="0">
+              <a:rPr lang="en-US" b="1" dirty="0">
                 <a:latin typeface="Consolas" pitchFamily="49" charset="0"/>
                 <a:cs typeface="Consolas" pitchFamily="49" charset="0"/>
               </a:rPr>
               <a:t>?</a:t>
             </a:r>
             <a:r>
-              <a:rPr lang="en-US" dirty="0" smtClean="0">
+              <a:rPr lang="en-US" dirty="0">
                 <a:cs typeface="Consolas"/>
               </a:rPr>
               <a:t> : e.g., </a:t>
             </a:r>
             <a:r>
-              <a:rPr lang="en-US" b="1" dirty="0" smtClean="0">
+              <a:rPr lang="en-US" b="1" dirty="0">
                 <a:latin typeface="Consolas" pitchFamily="49" charset="0"/>
                 <a:cs typeface="Consolas" pitchFamily="49" charset="0"/>
               </a:rPr>
@@ -9749,32 +9091,16 @@
               <a:buNone/>
             </a:pPr>
             <a:r>
-              <a:rPr lang="en-US" dirty="0" smtClean="0"/>
-              <a:t>(pronounced </a:t>
-            </a:r>
-            <a:r>
               <a:rPr lang="en-US" dirty="0"/>
-              <a:t>"</a:t>
-            </a:r>
-            <a:r>
-              <a:rPr lang="en-US" dirty="0" smtClean="0"/>
-              <a:t>huh?", </a:t>
-            </a:r>
-            <a:r>
-              <a:rPr lang="en-US" dirty="0"/>
-              <a:t>as in "square-huh</a:t>
-            </a:r>
-            <a:r>
-              <a:rPr lang="en-US" dirty="0" smtClean="0"/>
-              <a:t>?")</a:t>
-            </a:r>
-            <a:endParaRPr lang="en-US" dirty="0" smtClean="0">
+              <a:t>(pronounced "huh?", as in "square-huh?")</a:t>
+            </a:r>
+            <a:endParaRPr lang="en-US" dirty="0">
               <a:cs typeface="Consolas"/>
             </a:endParaRPr>
           </a:p>
           <a:p>
             <a:r>
-              <a:rPr lang="en-US" dirty="0" smtClean="0">
+              <a:rPr lang="en-US" dirty="0">
                 <a:cs typeface="Consolas"/>
               </a:rPr>
               <a:t>Use first component of the name to distinguish similar functions with different arguments, e.g.:</a:t>
@@ -9791,38 +9117,17 @@
                 <a:latin typeface="Consolas"/>
                 <a:cs typeface="Consolas"/>
               </a:rPr>
-              <a:t>circle-area, </a:t>
-            </a:r>
-            <a:r>
-              <a:rPr lang="en-US" b="1" dirty="0" smtClean="0">
-                <a:latin typeface="Consolas"/>
-                <a:cs typeface="Consolas"/>
-              </a:rPr>
-              <a:t>ring-area </a:t>
+              <a:t>circle-area, ring-area </a:t>
             </a:r>
           </a:p>
           <a:p>
             <a:pPr lvl="1"/>
-            <a:r>
-              <a:rPr lang="en-US" b="1" dirty="0" smtClean="0">
-                <a:latin typeface="Consolas"/>
-                <a:cs typeface="Consolas"/>
-              </a:rPr>
-              <a:t>book-price</a:t>
-            </a:r>
             <a:r>
               <a:rPr lang="en-US" b="1" dirty="0">
                 <a:latin typeface="Consolas"/>
                 <a:cs typeface="Consolas"/>
               </a:rPr>
-              <a:t>, </a:t>
-            </a:r>
-            <a:r>
-              <a:rPr lang="en-US" b="1" dirty="0" smtClean="0">
-                <a:latin typeface="Consolas"/>
-                <a:cs typeface="Consolas"/>
-              </a:rPr>
-              <a:t>total-order-price</a:t>
+              <a:t>book-price, total-order-price</a:t>
             </a:r>
           </a:p>
           <a:p>
@@ -9843,13 +9148,6 @@
   <p:clrMapOvr>
     <a:masterClrMapping/>
   </p:clrMapOvr>
-  <p:timing>
-    <p:tnLst>
-      <p:par>
-        <p:cTn id="1" dur="indefinite" restart="never" nodeType="tmRoot"/>
-      </p:par>
-    </p:tnLst>
-  </p:timing>
 </p:sld>
 </file>
 
